--- a/JS1-Jelizaveta-Potapova.pptx
+++ b/JS1-Jelizaveta-Potapova.pptx
@@ -5,7 +5,7 @@
     <p:sldMasterId id="2147483648" r:id="rId1"/>
   </p:sldMasterIdLst>
   <p:notesMasterIdLst>
-    <p:notesMasterId r:id="rId84"/>
+    <p:notesMasterId r:id="rId88"/>
   </p:notesMasterIdLst>
   <p:sldIdLst>
     <p:sldId id="256" r:id="rId2"/>
@@ -70,26 +70,30 @@
     <p:sldId id="373" r:id="rId61"/>
     <p:sldId id="374" r:id="rId62"/>
     <p:sldId id="347" r:id="rId63"/>
-    <p:sldId id="327" r:id="rId64"/>
-    <p:sldId id="330" r:id="rId65"/>
-    <p:sldId id="390" r:id="rId66"/>
-    <p:sldId id="391" r:id="rId67"/>
-    <p:sldId id="345" r:id="rId68"/>
-    <p:sldId id="375" r:id="rId69"/>
-    <p:sldId id="377" r:id="rId70"/>
-    <p:sldId id="392" r:id="rId71"/>
-    <p:sldId id="331" r:id="rId72"/>
-    <p:sldId id="376" r:id="rId73"/>
-    <p:sldId id="379" r:id="rId74"/>
-    <p:sldId id="380" r:id="rId75"/>
-    <p:sldId id="333" r:id="rId76"/>
-    <p:sldId id="381" r:id="rId77"/>
-    <p:sldId id="382" r:id="rId78"/>
-    <p:sldId id="334" r:id="rId79"/>
-    <p:sldId id="383" r:id="rId80"/>
-    <p:sldId id="384" r:id="rId81"/>
-    <p:sldId id="335" r:id="rId82"/>
-    <p:sldId id="294" r:id="rId83"/>
+    <p:sldId id="396" r:id="rId64"/>
+    <p:sldId id="395" r:id="rId65"/>
+    <p:sldId id="397" r:id="rId66"/>
+    <p:sldId id="327" r:id="rId67"/>
+    <p:sldId id="330" r:id="rId68"/>
+    <p:sldId id="390" r:id="rId69"/>
+    <p:sldId id="391" r:id="rId70"/>
+    <p:sldId id="345" r:id="rId71"/>
+    <p:sldId id="375" r:id="rId72"/>
+    <p:sldId id="377" r:id="rId73"/>
+    <p:sldId id="392" r:id="rId74"/>
+    <p:sldId id="331" r:id="rId75"/>
+    <p:sldId id="376" r:id="rId76"/>
+    <p:sldId id="379" r:id="rId77"/>
+    <p:sldId id="380" r:id="rId78"/>
+    <p:sldId id="333" r:id="rId79"/>
+    <p:sldId id="381" r:id="rId80"/>
+    <p:sldId id="398" r:id="rId81"/>
+    <p:sldId id="382" r:id="rId82"/>
+    <p:sldId id="334" r:id="rId83"/>
+    <p:sldId id="383" r:id="rId84"/>
+    <p:sldId id="384" r:id="rId85"/>
+    <p:sldId id="335" r:id="rId86"/>
+    <p:sldId id="294" r:id="rId87"/>
   </p:sldIdLst>
   <p:sldSz cx="24384000" cy="13716000"/>
   <p:notesSz cx="6858000" cy="9144000"/>
@@ -470,6 +474,9 @@
             <p14:sldId id="373"/>
             <p14:sldId id="374"/>
             <p14:sldId id="347"/>
+            <p14:sldId id="396"/>
+            <p14:sldId id="395"/>
+            <p14:sldId id="397"/>
           </p14:sldIdLst>
         </p14:section>
         <p14:section name="JS and the browser" id="{555928A7-BF01-4341-93DE-B9030C5E8133}">
@@ -496,6 +503,7 @@
             <p14:sldId id="380"/>
             <p14:sldId id="333"/>
             <p14:sldId id="381"/>
+            <p14:sldId id="398"/>
           </p14:sldIdLst>
         </p14:section>
         <p14:section name="Update DOM" id="{E8A84093-093E-FD42-AFCA-24A60A31C75D}">
@@ -8868,7 +8876,7 @@
         </p:blipFill>
         <p:spPr>
           <a:xfrm>
-            <a:off x="1863090" y="3733816"/>
+            <a:off x="2117090" y="3733816"/>
             <a:ext cx="11212830" cy="9255034"/>
           </a:xfrm>
           <a:prstGeom prst="rect">
@@ -14089,10 +14097,10 @@
       </p:sp>
       <p:sp>
         <p:nvSpPr>
-          <p:cNvPr id="6" name="Build products that are fast, effortless to use, and aesthetically pleasing. Make things meaningful and worthy of your time.…">
+          <p:cNvPr id="5" name="Build products that are fast, effortless to use, and aesthetically pleasing. Make things meaningful and worthy of your time.…">
             <a:extLst>
               <a:ext uri="{FF2B5EF4-FFF2-40B4-BE49-F238E27FC236}">
-                <a16:creationId xmlns:a16="http://schemas.microsoft.com/office/drawing/2014/main" id="{5E97DF5A-2563-7F41-926E-403966385705}"/>
+                <a16:creationId xmlns:a16="http://schemas.microsoft.com/office/drawing/2014/main" id="{A876D94B-A212-E843-B784-CAD1F4944D67}"/>
               </a:ext>
             </a:extLst>
           </p:cNvPr>
@@ -14102,7 +14110,7 @@
         <p:spPr>
           <a:xfrm>
             <a:off x="2641600" y="4363371"/>
-            <a:ext cx="19179617" cy="991297"/>
+            <a:ext cx="19179617" cy="3899786"/>
           </a:xfrm>
           <a:prstGeom prst="rect">
             <a:avLst/>
@@ -14135,12 +14143,87 @@
                 <a:sym typeface="Avenir Next"/>
               </a:defRPr>
             </a:pPr>
+            <a:r>
+              <a:rPr lang="en-US" dirty="0">
+                <a:sym typeface="Avenir Next"/>
+              </a:rPr>
+              <a:t>Some useful methods</a:t>
+            </a:r>
+          </a:p>
+          <a:p>
+            <a:pPr marL="571500" indent="-571500" algn="l">
+              <a:lnSpc>
+                <a:spcPct val="150000"/>
+              </a:lnSpc>
+              <a:buFont typeface="Arial" panose="020B0604020202020204" pitchFamily="34" charset="0"/>
+              <a:buChar char="•"/>
+              <a:defRPr sz="4200">
+                <a:latin typeface="+mj-lt"/>
+                <a:ea typeface="+mj-ea"/>
+                <a:cs typeface="+mj-cs"/>
+                <a:sym typeface="Avenir Next"/>
+              </a:defRPr>
+            </a:pPr>
+            <a:r>
+              <a:rPr lang="en-US" dirty="0">
+                <a:sym typeface="Avenir Next"/>
+              </a:rPr>
+              <a:t>Reference</a:t>
+            </a:r>
+            <a:br>
+              <a:rPr lang="en-US" sz="4200" dirty="0">
+                <a:sym typeface="Avenir Next"/>
+              </a:rPr>
+            </a:br>
+            <a:r>
+              <a:rPr lang="en-US" sz="4200" dirty="0">
+                <a:sym typeface="Avenir Next"/>
+                <a:hlinkClick r:id="rId2"/>
+              </a:rPr>
+              <a:t>https://developer.mozilla.org/en-US/docs/Web/JavaScript/Reference/Global_Objects/Array</a:t>
+            </a:r>
             <a:endParaRPr lang="en-US" dirty="0">
               <a:sym typeface="Avenir Next"/>
             </a:endParaRPr>
           </a:p>
         </p:txBody>
       </p:sp>
+      <p:pic>
+        <p:nvPicPr>
+          <p:cNvPr id="3" name="Picture 2" descr="A screen shot of a smart phone&#10;&#10;Description automatically generated">
+            <a:extLst>
+              <a:ext uri="{FF2B5EF4-FFF2-40B4-BE49-F238E27FC236}">
+                <a16:creationId xmlns:a16="http://schemas.microsoft.com/office/drawing/2014/main" id="{89A66F48-A9C3-9B41-986B-FAE93C8DC7E5}"/>
+              </a:ext>
+            </a:extLst>
+          </p:cNvPr>
+          <p:cNvPicPr>
+            <a:picLocks noChangeAspect="1"/>
+          </p:cNvPicPr>
+          <p:nvPr/>
+        </p:nvPicPr>
+        <p:blipFill>
+          <a:blip r:embed="rId3">
+            <a:extLst>
+              <a:ext uri="{28A0092B-C50C-407E-A947-70E740481C1C}">
+                <a14:useLocalDpi xmlns:a14="http://schemas.microsoft.com/office/drawing/2010/main" val="0"/>
+              </a:ext>
+            </a:extLst>
+          </a:blip>
+          <a:stretch>
+            <a:fillRect/>
+          </a:stretch>
+        </p:blipFill>
+        <p:spPr>
+          <a:xfrm>
+            <a:off x="1885950" y="8161557"/>
+            <a:ext cx="15487786" cy="5554443"/>
+          </a:xfrm>
+          <a:prstGeom prst="rect">
+            <a:avLst/>
+          </a:prstGeom>
+        </p:spPr>
+      </p:pic>
     </p:spTree>
     <p:extLst>
       <p:ext uri="{BB962C8B-B14F-4D97-AF65-F5344CB8AC3E}">
@@ -14180,8 +14263,8 @@
         </p:nvSpPr>
         <p:spPr>
           <a:xfrm>
-            <a:off x="6937378" y="4836933"/>
-            <a:ext cx="10509288" cy="4042132"/>
+            <a:off x="6406784" y="4836933"/>
+            <a:ext cx="11570476" cy="4042132"/>
           </a:xfrm>
           <a:prstGeom prst="rect">
             <a:avLst/>
@@ -14220,8 +14303,8 @@
           </a:p>
           <a:p>
             <a:r>
-              <a:rPr lang="lt-LT" dirty="0" err="1"/>
-              <a:t>arrays.task.js</a:t>
+              <a:rPr lang="lt-LT" dirty="0"/>
+              <a:t>arrays.task1.js</a:t>
             </a:r>
             <a:endParaRPr dirty="0"/>
           </a:p>
@@ -14244,14 +14327,6 @@
 <file path=ppt/slides/slide63.xml><?xml version="1.0" encoding="utf-8"?>
 <p:sld xmlns:a="http://schemas.openxmlformats.org/drawingml/2006/main" xmlns:r="http://schemas.openxmlformats.org/officeDocument/2006/relationships" xmlns:p="http://schemas.openxmlformats.org/presentationml/2006/main">
   <p:cSld>
-    <p:bg>
-      <p:bgPr>
-        <a:solidFill>
-          <a:srgbClr val="404CFA"/>
-        </a:solidFill>
-        <a:effectLst/>
-      </p:bgPr>
-    </p:bg>
     <p:spTree>
       <p:nvGrpSpPr>
         <p:cNvPr id="1" name=""/>
@@ -14268,14 +14343,14 @@
       </p:grpSpPr>
       <p:sp>
         <p:nvSpPr>
-          <p:cNvPr id="72" name="Section title"/>
+          <p:cNvPr id="76" name="Title goes here"/>
           <p:cNvSpPr txBox="1"/>
           <p:nvPr/>
         </p:nvSpPr>
         <p:spPr>
           <a:xfrm>
-            <a:off x="4492795" y="5821818"/>
-            <a:ext cx="15398446" cy="2072362"/>
+            <a:off x="2572664" y="2699493"/>
+            <a:ext cx="6421630" cy="1087477"/>
           </a:xfrm>
           <a:prstGeom prst="rect">
             <a:avLst/>
@@ -14294,11 +14369,8 @@
             <a:spAutoFit/>
           </a:bodyPr>
           <a:lstStyle>
-            <a:lvl1pPr>
-              <a:defRPr sz="12800" b="1">
-                <a:solidFill>
-                  <a:srgbClr val="FFFFFF"/>
-                </a:solidFill>
+            <a:lvl1pPr algn="l">
+              <a:defRPr sz="6400" b="1">
                 <a:latin typeface="+mj-lt"/>
                 <a:ea typeface="+mj-ea"/>
                 <a:cs typeface="+mj-cs"/>
@@ -14309,16 +14381,88 @@
           <a:p>
             <a:r>
               <a:rPr lang="en-US" dirty="0"/>
-              <a:t>JS and the browser</a:t>
-            </a:r>
-            <a:endParaRPr dirty="0"/>
-          </a:p>
-        </p:txBody>
-      </p:sp>
+              <a:t>13. Arrays: map</a:t>
+            </a:r>
+          </a:p>
+        </p:txBody>
+      </p:sp>
+      <p:sp>
+        <p:nvSpPr>
+          <p:cNvPr id="78" name="Line"/>
+          <p:cNvSpPr/>
+          <p:nvPr/>
+        </p:nvSpPr>
+        <p:spPr>
+          <a:xfrm>
+            <a:off x="2641600" y="1846231"/>
+            <a:ext cx="1516409" cy="1"/>
+          </a:xfrm>
+          <a:prstGeom prst="line">
+            <a:avLst/>
+          </a:prstGeom>
+          <a:ln w="203200">
+            <a:solidFill>
+              <a:srgbClr val="FF3454"/>
+            </a:solidFill>
+            <a:miter lim="400000"/>
+          </a:ln>
+        </p:spPr>
+        <p:txBody>
+          <a:bodyPr lIns="50800" tIns="50800" rIns="50800" bIns="50800" anchor="ctr"/>
+          <a:lstStyle/>
+          <a:p>
+            <a:pPr algn="l">
+              <a:defRPr sz="2800">
+                <a:latin typeface="+mj-lt"/>
+                <a:ea typeface="+mj-ea"/>
+                <a:cs typeface="+mj-cs"/>
+                <a:sym typeface="Avenir Next"/>
+              </a:defRPr>
+            </a:pPr>
+            <a:endParaRPr/>
+          </a:p>
+        </p:txBody>
+      </p:sp>
+      <p:pic>
+        <p:nvPicPr>
+          <p:cNvPr id="3" name="Picture 2" descr="A screenshot of a computer screen&#10;&#10;Description automatically generated">
+            <a:extLst>
+              <a:ext uri="{FF2B5EF4-FFF2-40B4-BE49-F238E27FC236}">
+                <a16:creationId xmlns:a16="http://schemas.microsoft.com/office/drawing/2014/main" id="{2FC9C661-5CF5-1F45-BE51-10BCC416DCBC}"/>
+              </a:ext>
+            </a:extLst>
+          </p:cNvPr>
+          <p:cNvPicPr>
+            <a:picLocks noChangeAspect="1"/>
+          </p:cNvPicPr>
+          <p:nvPr/>
+        </p:nvPicPr>
+        <p:blipFill>
+          <a:blip r:embed="rId2">
+            <a:extLst>
+              <a:ext uri="{28A0092B-C50C-407E-A947-70E740481C1C}">
+                <a14:useLocalDpi xmlns:a14="http://schemas.microsoft.com/office/drawing/2010/main" val="0"/>
+              </a:ext>
+            </a:extLst>
+          </a:blip>
+          <a:stretch>
+            <a:fillRect/>
+          </a:stretch>
+        </p:blipFill>
+        <p:spPr>
+          <a:xfrm>
+            <a:off x="2301394" y="3786969"/>
+            <a:ext cx="11770206" cy="9693111"/>
+          </a:xfrm>
+          <a:prstGeom prst="rect">
+            <a:avLst/>
+          </a:prstGeom>
+        </p:spPr>
+      </p:pic>
     </p:spTree>
     <p:extLst>
       <p:ext uri="{BB962C8B-B14F-4D97-AF65-F5344CB8AC3E}">
-        <p14:creationId xmlns:p14="http://schemas.microsoft.com/office/powerpoint/2010/main" val="2398421426"/>
+        <p14:creationId xmlns:p14="http://schemas.microsoft.com/office/powerpoint/2010/main" val="1872409777"/>
       </p:ext>
     </p:extLst>
   </p:cSld>
@@ -14355,7 +14499,7 @@
         <p:spPr>
           <a:xfrm>
             <a:off x="2572664" y="2699493"/>
-            <a:ext cx="15454552" cy="1087477"/>
+            <a:ext cx="6565900" cy="1087477"/>
           </a:xfrm>
           <a:prstGeom prst="rect">
             <a:avLst/>
@@ -14386,7 +14530,7 @@
           <a:p>
             <a:r>
               <a:rPr lang="en-US" dirty="0"/>
-              <a:t>13. Adding a script to a website: inline</a:t>
+              <a:t>13. Arrays: filter</a:t>
             </a:r>
           </a:p>
         </p:txBody>
@@ -14430,10 +14574,10 @@
       </p:sp>
       <p:pic>
         <p:nvPicPr>
-          <p:cNvPr id="3" name="Picture 2" descr="A close up of a screen&#10;&#10;Description automatically generated">
+          <p:cNvPr id="7" name="Picture 6" descr="A screenshot of a computer&#10;&#10;Description automatically generated">
             <a:extLst>
               <a:ext uri="{FF2B5EF4-FFF2-40B4-BE49-F238E27FC236}">
-                <a16:creationId xmlns:a16="http://schemas.microsoft.com/office/drawing/2014/main" id="{80A17CFF-3D79-6742-826A-4710090B82C8}"/>
+                <a16:creationId xmlns:a16="http://schemas.microsoft.com/office/drawing/2014/main" id="{B719B4E5-77EC-FD4F-A756-7AD521D8DF8B}"/>
               </a:ext>
             </a:extLst>
           </p:cNvPr>
@@ -14456,8 +14600,8 @@
         </p:blipFill>
         <p:spPr>
           <a:xfrm>
-            <a:off x="1644118" y="4052076"/>
-            <a:ext cx="20545322" cy="2955745"/>
+            <a:off x="2255164" y="4137830"/>
+            <a:ext cx="10571836" cy="9084543"/>
           </a:xfrm>
           <a:prstGeom prst="rect">
             <a:avLst/>
@@ -14467,7 +14611,7 @@
     </p:spTree>
     <p:extLst>
       <p:ext uri="{BB962C8B-B14F-4D97-AF65-F5344CB8AC3E}">
-        <p14:creationId xmlns:p14="http://schemas.microsoft.com/office/powerpoint/2010/main" val="2587649359"/>
+        <p14:creationId xmlns:p14="http://schemas.microsoft.com/office/powerpoint/2010/main" val="4194918780"/>
       </p:ext>
     </p:extLst>
   </p:cSld>
@@ -14497,14 +14641,14 @@
       </p:grpSpPr>
       <p:sp>
         <p:nvSpPr>
-          <p:cNvPr id="76" name="Title goes here"/>
+          <p:cNvPr id="74" name="Red section title"/>
           <p:cNvSpPr txBox="1"/>
           <p:nvPr/>
         </p:nvSpPr>
         <p:spPr>
           <a:xfrm>
-            <a:off x="2572664" y="2699493"/>
-            <a:ext cx="16305746" cy="1087477"/>
+            <a:off x="6406784" y="4836933"/>
+            <a:ext cx="11570476" cy="4042132"/>
           </a:xfrm>
           <a:prstGeom prst="rect">
             <a:avLst/>
@@ -14523,8 +14667,11 @@
             <a:spAutoFit/>
           </a:bodyPr>
           <a:lstStyle>
-            <a:lvl1pPr algn="l">
-              <a:defRPr sz="6400" b="1">
+            <a:lvl1pPr>
+              <a:defRPr sz="12800" b="1">
+                <a:solidFill>
+                  <a:srgbClr val="FFFFFF"/>
+                </a:solidFill>
                 <a:latin typeface="+mj-lt"/>
                 <a:ea typeface="+mj-ea"/>
                 <a:cs typeface="+mj-cs"/>
@@ -14534,89 +14681,23 @@
           </a:lstStyle>
           <a:p>
             <a:r>
-              <a:rPr lang="en-US" dirty="0"/>
-              <a:t>13. Adding a script to a website: internal</a:t>
-            </a:r>
-          </a:p>
-        </p:txBody>
-      </p:sp>
-      <p:sp>
-        <p:nvSpPr>
-          <p:cNvPr id="78" name="Line"/>
-          <p:cNvSpPr/>
-          <p:nvPr/>
-        </p:nvSpPr>
-        <p:spPr>
-          <a:xfrm>
-            <a:off x="2641600" y="1846231"/>
-            <a:ext cx="1516409" cy="1"/>
-          </a:xfrm>
-          <a:prstGeom prst="line">
-            <a:avLst/>
-          </a:prstGeom>
-          <a:ln w="203200">
-            <a:solidFill>
-              <a:srgbClr val="FF3454"/>
-            </a:solidFill>
-            <a:miter lim="400000"/>
-          </a:ln>
-        </p:spPr>
-        <p:txBody>
-          <a:bodyPr lIns="50800" tIns="50800" rIns="50800" bIns="50800" anchor="ctr"/>
-          <a:lstStyle/>
-          <a:p>
-            <a:pPr algn="l">
-              <a:defRPr sz="2800">
-                <a:latin typeface="+mj-lt"/>
-                <a:ea typeface="+mj-ea"/>
-                <a:cs typeface="+mj-cs"/>
-                <a:sym typeface="Avenir Next"/>
-              </a:defRPr>
-            </a:pPr>
-            <a:endParaRPr/>
-          </a:p>
-        </p:txBody>
-      </p:sp>
-      <p:pic>
-        <p:nvPicPr>
-          <p:cNvPr id="4" name="Picture 3" descr="A picture containing food&#10;&#10;Description automatically generated">
-            <a:extLst>
-              <a:ext uri="{FF2B5EF4-FFF2-40B4-BE49-F238E27FC236}">
-                <a16:creationId xmlns:a16="http://schemas.microsoft.com/office/drawing/2014/main" id="{5B416AD4-DC27-D14B-8E07-564457582CF8}"/>
-              </a:ext>
-            </a:extLst>
-          </p:cNvPr>
-          <p:cNvPicPr>
-            <a:picLocks noChangeAspect="1"/>
-          </p:cNvPicPr>
-          <p:nvPr/>
-        </p:nvPicPr>
-        <p:blipFill>
-          <a:blip r:embed="rId2">
-            <a:extLst>
-              <a:ext uri="{28A0092B-C50C-407E-A947-70E740481C1C}">
-                <a14:useLocalDpi xmlns:a14="http://schemas.microsoft.com/office/drawing/2010/main" val="0"/>
-              </a:ext>
-            </a:extLst>
-          </a:blip>
-          <a:stretch>
-            <a:fillRect/>
-          </a:stretch>
-        </p:blipFill>
-        <p:spPr>
-          <a:xfrm>
-            <a:off x="1688744" y="4361094"/>
-            <a:ext cx="16074968" cy="4993811"/>
-          </a:xfrm>
-          <a:prstGeom prst="rect">
-            <a:avLst/>
-          </a:prstGeom>
-        </p:spPr>
-      </p:pic>
+              <a:rPr lang="lt-LT" dirty="0"/>
+              <a:t>TASK:</a:t>
+            </a:r>
+          </a:p>
+          <a:p>
+            <a:r>
+              <a:rPr lang="lt-LT" dirty="0"/>
+              <a:t>arrays.task2.js</a:t>
+            </a:r>
+            <a:endParaRPr dirty="0"/>
+          </a:p>
+        </p:txBody>
+      </p:sp>
     </p:spTree>
     <p:extLst>
       <p:ext uri="{BB962C8B-B14F-4D97-AF65-F5344CB8AC3E}">
-        <p14:creationId xmlns:p14="http://schemas.microsoft.com/office/powerpoint/2010/main" val="1974777588"/>
+        <p14:creationId xmlns:p14="http://schemas.microsoft.com/office/powerpoint/2010/main" val="1135073881"/>
       </p:ext>
     </p:extLst>
   </p:cSld>
@@ -14630,6 +14711,14 @@
 <file path=ppt/slides/slide66.xml><?xml version="1.0" encoding="utf-8"?>
 <p:sld xmlns:a="http://schemas.openxmlformats.org/drawingml/2006/main" xmlns:r="http://schemas.openxmlformats.org/officeDocument/2006/relationships" xmlns:p="http://schemas.openxmlformats.org/presentationml/2006/main">
   <p:cSld>
+    <p:bg>
+      <p:bgPr>
+        <a:solidFill>
+          <a:srgbClr val="404CFA"/>
+        </a:solidFill>
+        <a:effectLst/>
+      </p:bgPr>
+    </p:bg>
     <p:spTree>
       <p:nvGrpSpPr>
         <p:cNvPr id="1" name=""/>
@@ -14646,14 +14735,14 @@
       </p:grpSpPr>
       <p:sp>
         <p:nvSpPr>
-          <p:cNvPr id="76" name="Title goes here"/>
+          <p:cNvPr id="72" name="Section title"/>
           <p:cNvSpPr txBox="1"/>
           <p:nvPr/>
         </p:nvSpPr>
         <p:spPr>
           <a:xfrm>
-            <a:off x="2572664" y="2699493"/>
-            <a:ext cx="16533372" cy="1087477"/>
+            <a:off x="4492795" y="5821818"/>
+            <a:ext cx="15398446" cy="2072362"/>
           </a:xfrm>
           <a:prstGeom prst="rect">
             <a:avLst/>
@@ -14672,8 +14761,11 @@
             <a:spAutoFit/>
           </a:bodyPr>
           <a:lstStyle>
-            <a:lvl1pPr algn="l">
-              <a:defRPr sz="6400" b="1">
+            <a:lvl1pPr>
+              <a:defRPr sz="12800" b="1">
+                <a:solidFill>
+                  <a:srgbClr val="FFFFFF"/>
+                </a:solidFill>
                 <a:latin typeface="+mj-lt"/>
                 <a:ea typeface="+mj-ea"/>
                 <a:cs typeface="+mj-cs"/>
@@ -14684,88 +14776,16 @@
           <a:p>
             <a:r>
               <a:rPr lang="en-US" dirty="0"/>
-              <a:t>13. Adding a script to a website: external</a:t>
-            </a:r>
-          </a:p>
-        </p:txBody>
-      </p:sp>
-      <p:sp>
-        <p:nvSpPr>
-          <p:cNvPr id="78" name="Line"/>
-          <p:cNvSpPr/>
-          <p:nvPr/>
-        </p:nvSpPr>
-        <p:spPr>
-          <a:xfrm>
-            <a:off x="2641600" y="1846231"/>
-            <a:ext cx="1516409" cy="1"/>
-          </a:xfrm>
-          <a:prstGeom prst="line">
-            <a:avLst/>
-          </a:prstGeom>
-          <a:ln w="203200">
-            <a:solidFill>
-              <a:srgbClr val="FF3454"/>
-            </a:solidFill>
-            <a:miter lim="400000"/>
-          </a:ln>
-        </p:spPr>
-        <p:txBody>
-          <a:bodyPr lIns="50800" tIns="50800" rIns="50800" bIns="50800" anchor="ctr"/>
-          <a:lstStyle/>
-          <a:p>
-            <a:pPr algn="l">
-              <a:defRPr sz="2800">
-                <a:latin typeface="+mj-lt"/>
-                <a:ea typeface="+mj-ea"/>
-                <a:cs typeface="+mj-cs"/>
-                <a:sym typeface="Avenir Next"/>
-              </a:defRPr>
-            </a:pPr>
-            <a:endParaRPr/>
-          </a:p>
-        </p:txBody>
-      </p:sp>
-      <p:pic>
-        <p:nvPicPr>
-          <p:cNvPr id="3" name="Picture 2" descr="A close up of a screen&#10;&#10;Description automatically generated">
-            <a:extLst>
-              <a:ext uri="{FF2B5EF4-FFF2-40B4-BE49-F238E27FC236}">
-                <a16:creationId xmlns:a16="http://schemas.microsoft.com/office/drawing/2014/main" id="{A3D0EEB2-AAD5-2E40-9EC3-AA82F40E7762}"/>
-              </a:ext>
-            </a:extLst>
-          </p:cNvPr>
-          <p:cNvPicPr>
-            <a:picLocks noChangeAspect="1"/>
-          </p:cNvPicPr>
-          <p:nvPr/>
-        </p:nvPicPr>
-        <p:blipFill>
-          <a:blip r:embed="rId2">
-            <a:extLst>
-              <a:ext uri="{28A0092B-C50C-407E-A947-70E740481C1C}">
-                <a14:useLocalDpi xmlns:a14="http://schemas.microsoft.com/office/drawing/2010/main" val="0"/>
-              </a:ext>
-            </a:extLst>
-          </a:blip>
-          <a:stretch>
-            <a:fillRect/>
-          </a:stretch>
-        </p:blipFill>
-        <p:spPr>
-          <a:xfrm>
-            <a:off x="1963064" y="4640231"/>
-            <a:ext cx="13014900" cy="3010249"/>
-          </a:xfrm>
-          <a:prstGeom prst="rect">
-            <a:avLst/>
-          </a:prstGeom>
-        </p:spPr>
-      </p:pic>
+              <a:t>JS and the browser</a:t>
+            </a:r>
+            <a:endParaRPr dirty="0"/>
+          </a:p>
+        </p:txBody>
+      </p:sp>
     </p:spTree>
     <p:extLst>
       <p:ext uri="{BB962C8B-B14F-4D97-AF65-F5344CB8AC3E}">
-        <p14:creationId xmlns:p14="http://schemas.microsoft.com/office/powerpoint/2010/main" val="1916686671"/>
+        <p14:creationId xmlns:p14="http://schemas.microsoft.com/office/powerpoint/2010/main" val="2398421426"/>
       </p:ext>
     </p:extLst>
   </p:cSld>
@@ -14795,14 +14815,14 @@
       </p:grpSpPr>
       <p:sp>
         <p:nvSpPr>
-          <p:cNvPr id="74" name="Red section title"/>
+          <p:cNvPr id="76" name="Title goes here"/>
           <p:cNvSpPr txBox="1"/>
           <p:nvPr/>
         </p:nvSpPr>
         <p:spPr>
           <a:xfrm>
-            <a:off x="6785891" y="4836933"/>
-            <a:ext cx="10812255" cy="4042132"/>
+            <a:off x="2572664" y="2699493"/>
+            <a:ext cx="15454552" cy="1087477"/>
           </a:xfrm>
           <a:prstGeom prst="rect">
             <a:avLst/>
@@ -14821,11 +14841,8 @@
             <a:spAutoFit/>
           </a:bodyPr>
           <a:lstStyle>
-            <a:lvl1pPr>
-              <a:defRPr sz="12800" b="1">
-                <a:solidFill>
-                  <a:srgbClr val="FFFFFF"/>
-                </a:solidFill>
+            <a:lvl1pPr algn="l">
+              <a:defRPr sz="6400" b="1">
                 <a:latin typeface="+mj-lt"/>
                 <a:ea typeface="+mj-ea"/>
                 <a:cs typeface="+mj-cs"/>
@@ -14835,22 +14852,89 @@
           </a:lstStyle>
           <a:p>
             <a:r>
-              <a:rPr lang="lt-LT" dirty="0"/>
-              <a:t>TASK: </a:t>
-            </a:r>
-          </a:p>
-          <a:p>
-            <a:r>
-              <a:rPr lang="lt-LT" dirty="0"/>
-              <a:t>13-add-script</a:t>
-            </a:r>
-          </a:p>
-        </p:txBody>
-      </p:sp>
+              <a:rPr lang="en-US" dirty="0"/>
+              <a:t>13. Adding a script to a website: inline</a:t>
+            </a:r>
+          </a:p>
+        </p:txBody>
+      </p:sp>
+      <p:sp>
+        <p:nvSpPr>
+          <p:cNvPr id="78" name="Line"/>
+          <p:cNvSpPr/>
+          <p:nvPr/>
+        </p:nvSpPr>
+        <p:spPr>
+          <a:xfrm>
+            <a:off x="2641600" y="1846231"/>
+            <a:ext cx="1516409" cy="1"/>
+          </a:xfrm>
+          <a:prstGeom prst="line">
+            <a:avLst/>
+          </a:prstGeom>
+          <a:ln w="203200">
+            <a:solidFill>
+              <a:srgbClr val="FF3454"/>
+            </a:solidFill>
+            <a:miter lim="400000"/>
+          </a:ln>
+        </p:spPr>
+        <p:txBody>
+          <a:bodyPr lIns="50800" tIns="50800" rIns="50800" bIns="50800" anchor="ctr"/>
+          <a:lstStyle/>
+          <a:p>
+            <a:pPr algn="l">
+              <a:defRPr sz="2800">
+                <a:latin typeface="+mj-lt"/>
+                <a:ea typeface="+mj-ea"/>
+                <a:cs typeface="+mj-cs"/>
+                <a:sym typeface="Avenir Next"/>
+              </a:defRPr>
+            </a:pPr>
+            <a:endParaRPr/>
+          </a:p>
+        </p:txBody>
+      </p:sp>
+      <p:pic>
+        <p:nvPicPr>
+          <p:cNvPr id="3" name="Picture 2" descr="A close up of a screen&#10;&#10;Description automatically generated">
+            <a:extLst>
+              <a:ext uri="{FF2B5EF4-FFF2-40B4-BE49-F238E27FC236}">
+                <a16:creationId xmlns:a16="http://schemas.microsoft.com/office/drawing/2014/main" id="{80A17CFF-3D79-6742-826A-4710090B82C8}"/>
+              </a:ext>
+            </a:extLst>
+          </p:cNvPr>
+          <p:cNvPicPr>
+            <a:picLocks noChangeAspect="1"/>
+          </p:cNvPicPr>
+          <p:nvPr/>
+        </p:nvPicPr>
+        <p:blipFill>
+          <a:blip r:embed="rId2">
+            <a:extLst>
+              <a:ext uri="{28A0092B-C50C-407E-A947-70E740481C1C}">
+                <a14:useLocalDpi xmlns:a14="http://schemas.microsoft.com/office/drawing/2010/main" val="0"/>
+              </a:ext>
+            </a:extLst>
+          </a:blip>
+          <a:stretch>
+            <a:fillRect/>
+          </a:stretch>
+        </p:blipFill>
+        <p:spPr>
+          <a:xfrm>
+            <a:off x="1644118" y="4052076"/>
+            <a:ext cx="20545322" cy="2955745"/>
+          </a:xfrm>
+          <a:prstGeom prst="rect">
+            <a:avLst/>
+          </a:prstGeom>
+        </p:spPr>
+      </p:pic>
     </p:spTree>
     <p:extLst>
       <p:ext uri="{BB962C8B-B14F-4D97-AF65-F5344CB8AC3E}">
-        <p14:creationId xmlns:p14="http://schemas.microsoft.com/office/powerpoint/2010/main" val="4136761610"/>
+        <p14:creationId xmlns:p14="http://schemas.microsoft.com/office/powerpoint/2010/main" val="2587649359"/>
       </p:ext>
     </p:extLst>
   </p:cSld>
@@ -14887,7 +14971,7 @@
         <p:spPr>
           <a:xfrm>
             <a:off x="2572664" y="2699493"/>
-            <a:ext cx="3733394" cy="1087477"/>
+            <a:ext cx="16305746" cy="1087477"/>
           </a:xfrm>
           <a:prstGeom prst="rect">
             <a:avLst/>
@@ -14918,7 +15002,7 @@
           <a:p>
             <a:r>
               <a:rPr lang="en-US" dirty="0"/>
-              <a:t>14. DOM</a:t>
+              <a:t>13. Adding a script to a website: internal</a:t>
             </a:r>
           </a:p>
         </p:txBody>
@@ -14960,140 +15044,46 @@
           </a:p>
         </p:txBody>
       </p:sp>
-      <p:sp>
-        <p:nvSpPr>
-          <p:cNvPr id="5" name="Build products that are fast, effortless to use, and aesthetically pleasing. Make things meaningful and worthy of your time.…">
+      <p:pic>
+        <p:nvPicPr>
+          <p:cNvPr id="4" name="Picture 3" descr="A picture containing food&#10;&#10;Description automatically generated">
             <a:extLst>
               <a:ext uri="{FF2B5EF4-FFF2-40B4-BE49-F238E27FC236}">
-                <a16:creationId xmlns:a16="http://schemas.microsoft.com/office/drawing/2014/main" id="{7CB97C34-33FE-814D-8C51-742D4404DD26}"/>
+                <a16:creationId xmlns:a16="http://schemas.microsoft.com/office/drawing/2014/main" id="{5B416AD4-DC27-D14B-8E07-564457582CF8}"/>
               </a:ext>
             </a:extLst>
           </p:cNvPr>
-          <p:cNvSpPr txBox="1"/>
-          <p:nvPr/>
-        </p:nvSpPr>
-        <p:spPr>
-          <a:xfrm>
-            <a:off x="2641600" y="4363371"/>
-            <a:ext cx="19179617" cy="3899786"/>
-          </a:xfrm>
-          <a:prstGeom prst="rect">
-            <a:avLst/>
-          </a:prstGeom>
-          <a:ln w="12700">
-            <a:miter lim="400000"/>
-          </a:ln>
-          <a:extLst>
-            <a:ext uri="{C572A759-6A51-4108-AA02-DFA0A04FC94B}">
-              <ma14:wrappingTextBoxFlag xmlns="" xmlns:m="http://schemas.openxmlformats.org/officeDocument/2006/math" xmlns:a14="http://schemas.microsoft.com/office/drawing/2010/main" xmlns:ma14="http://schemas.microsoft.com/office/mac/drawingml/2011/main" val="1"/>
-            </a:ext>
-          </a:extLst>
-        </p:spPr>
-        <p:txBody>
-          <a:bodyPr wrap="square" lIns="50800" tIns="50800" rIns="50800" bIns="50800">
-            <a:spAutoFit/>
-          </a:bodyPr>
-          <a:lstStyle/>
-          <a:p>
-            <a:pPr marL="571500" indent="-571500" algn="l">
-              <a:lnSpc>
-                <a:spcPct val="150000"/>
-              </a:lnSpc>
-              <a:buFont typeface="Arial" panose="020B0604020202020204" pitchFamily="34" charset="0"/>
-              <a:buChar char="•"/>
-              <a:defRPr sz="4200">
-                <a:latin typeface="+mj-lt"/>
-                <a:ea typeface="+mj-ea"/>
-                <a:cs typeface="+mj-cs"/>
-                <a:sym typeface="Avenir Next"/>
-              </a:defRPr>
-            </a:pPr>
-            <a:r>
-              <a:rPr lang="en-US" dirty="0">
-                <a:sym typeface="Avenir Next"/>
-              </a:rPr>
-              <a:t>Document Object Model</a:t>
-            </a:r>
-          </a:p>
-          <a:p>
-            <a:pPr marL="571500" indent="-571500" algn="l">
-              <a:lnSpc>
-                <a:spcPct val="150000"/>
-              </a:lnSpc>
-              <a:buFont typeface="Arial" panose="020B0604020202020204" pitchFamily="34" charset="0"/>
-              <a:buChar char="•"/>
-              <a:defRPr sz="4200">
-                <a:latin typeface="+mj-lt"/>
-                <a:ea typeface="+mj-ea"/>
-                <a:cs typeface="+mj-cs"/>
-                <a:sym typeface="Avenir Next"/>
-              </a:defRPr>
-            </a:pPr>
-            <a:r>
-              <a:rPr lang="en-US" dirty="0">
-                <a:sym typeface="Avenir Next"/>
-              </a:rPr>
-              <a:t>Page contents as objects that can be modified</a:t>
-            </a:r>
-          </a:p>
-          <a:p>
-            <a:pPr marL="571500" indent="-571500" algn="l">
-              <a:lnSpc>
-                <a:spcPct val="150000"/>
-              </a:lnSpc>
-              <a:buFont typeface="Arial" panose="020B0604020202020204" pitchFamily="34" charset="0"/>
-              <a:buChar char="•"/>
-              <a:defRPr sz="4200">
-                <a:latin typeface="+mj-lt"/>
-                <a:ea typeface="+mj-ea"/>
-                <a:cs typeface="+mj-cs"/>
-                <a:sym typeface="Avenir Next"/>
-              </a:defRPr>
-            </a:pPr>
-            <a:r>
-              <a:rPr lang="en-US" dirty="0">
-                <a:sym typeface="Avenir Next"/>
-              </a:rPr>
-              <a:t>DOM specification </a:t>
-            </a:r>
-            <a:r>
-              <a:rPr lang="en-US" sz="4200" dirty="0">
-                <a:sym typeface="Avenir Next"/>
-                <a:hlinkClick r:id="rId2"/>
-              </a:rPr>
-              <a:t>https://dom.spec.whatwg.org/</a:t>
-            </a:r>
-            <a:endParaRPr lang="en-US" sz="4200" dirty="0">
-              <a:sym typeface="Avenir Next"/>
-            </a:endParaRPr>
-          </a:p>
-          <a:p>
-            <a:pPr marL="571500" indent="-571500" algn="l">
-              <a:lnSpc>
-                <a:spcPct val="150000"/>
-              </a:lnSpc>
-              <a:buFont typeface="Arial" panose="020B0604020202020204" pitchFamily="34" charset="0"/>
-              <a:buChar char="•"/>
-              <a:defRPr sz="4200">
-                <a:latin typeface="+mj-lt"/>
-                <a:ea typeface="+mj-ea"/>
-                <a:cs typeface="+mj-cs"/>
-                <a:sym typeface="Avenir Next"/>
-              </a:defRPr>
-            </a:pPr>
-            <a:r>
-              <a:rPr lang="en-US" dirty="0">
-                <a:sym typeface="Avenir Next"/>
-              </a:rPr>
-              <a:t>DOM is not only for the browser</a:t>
-            </a:r>
-          </a:p>
-        </p:txBody>
-      </p:sp>
+          <p:cNvPicPr>
+            <a:picLocks noChangeAspect="1"/>
+          </p:cNvPicPr>
+          <p:nvPr/>
+        </p:nvPicPr>
+        <p:blipFill>
+          <a:blip r:embed="rId2">
+            <a:extLst>
+              <a:ext uri="{28A0092B-C50C-407E-A947-70E740481C1C}">
+                <a14:useLocalDpi xmlns:a14="http://schemas.microsoft.com/office/drawing/2010/main" val="0"/>
+              </a:ext>
+            </a:extLst>
+          </a:blip>
+          <a:stretch>
+            <a:fillRect/>
+          </a:stretch>
+        </p:blipFill>
+        <p:spPr>
+          <a:xfrm>
+            <a:off x="1688744" y="4361094"/>
+            <a:ext cx="16074968" cy="4993811"/>
+          </a:xfrm>
+          <a:prstGeom prst="rect">
+            <a:avLst/>
+          </a:prstGeom>
+        </p:spPr>
+      </p:pic>
     </p:spTree>
     <p:extLst>
       <p:ext uri="{BB962C8B-B14F-4D97-AF65-F5344CB8AC3E}">
-        <p14:creationId xmlns:p14="http://schemas.microsoft.com/office/powerpoint/2010/main" val="3036108895"/>
+        <p14:creationId xmlns:p14="http://schemas.microsoft.com/office/powerpoint/2010/main" val="1974777588"/>
       </p:ext>
     </p:extLst>
   </p:cSld>
@@ -15130,7 +15120,7 @@
         <p:spPr>
           <a:xfrm>
             <a:off x="2572664" y="2699493"/>
-            <a:ext cx="7688002" cy="1087477"/>
+            <a:ext cx="16533372" cy="1087477"/>
           </a:xfrm>
           <a:prstGeom prst="rect">
             <a:avLst/>
@@ -15161,7 +15151,7 @@
           <a:p>
             <a:r>
               <a:rPr lang="en-US" dirty="0"/>
-              <a:t>14. DOM: navigate</a:t>
+              <a:t>13. Adding a script to a website: external</a:t>
             </a:r>
           </a:p>
         </p:txBody>
@@ -15203,121 +15193,12 @@
           </a:p>
         </p:txBody>
       </p:sp>
-      <p:sp>
-        <p:nvSpPr>
-          <p:cNvPr id="5" name="Build products that are fast, effortless to use, and aesthetically pleasing. Make things meaningful and worthy of your time.…">
+      <p:pic>
+        <p:nvPicPr>
+          <p:cNvPr id="3" name="Picture 2" descr="A close up of a screen&#10;&#10;Description automatically generated">
             <a:extLst>
               <a:ext uri="{FF2B5EF4-FFF2-40B4-BE49-F238E27FC236}">
-                <a16:creationId xmlns:a16="http://schemas.microsoft.com/office/drawing/2014/main" id="{7CB97C34-33FE-814D-8C51-742D4404DD26}"/>
-              </a:ext>
-            </a:extLst>
-          </p:cNvPr>
-          <p:cNvSpPr txBox="1"/>
-          <p:nvPr/>
-        </p:nvSpPr>
-        <p:spPr>
-          <a:xfrm>
-            <a:off x="2641600" y="4363371"/>
-            <a:ext cx="19179617" cy="991297"/>
-          </a:xfrm>
-          <a:prstGeom prst="rect">
-            <a:avLst/>
-          </a:prstGeom>
-          <a:ln w="12700">
-            <a:miter lim="400000"/>
-          </a:ln>
-          <a:extLst>
-            <a:ext uri="{C572A759-6A51-4108-AA02-DFA0A04FC94B}">
-              <ma14:wrappingTextBoxFlag xmlns="" xmlns:m="http://schemas.openxmlformats.org/officeDocument/2006/math" xmlns:a14="http://schemas.microsoft.com/office/drawing/2010/main" xmlns:ma14="http://schemas.microsoft.com/office/mac/drawingml/2011/main" val="1"/>
-            </a:ext>
-          </a:extLst>
-        </p:spPr>
-        <p:txBody>
-          <a:bodyPr wrap="square" lIns="50800" tIns="50800" rIns="50800" bIns="50800">
-            <a:spAutoFit/>
-          </a:bodyPr>
-          <a:lstStyle/>
-          <a:p>
-            <a:pPr marL="571500" indent="-571500" algn="l">
-              <a:lnSpc>
-                <a:spcPct val="150000"/>
-              </a:lnSpc>
-              <a:buFont typeface="Arial" panose="020B0604020202020204" pitchFamily="34" charset="0"/>
-              <a:buChar char="•"/>
-              <a:defRPr sz="4200">
-                <a:latin typeface="+mj-lt"/>
-                <a:ea typeface="+mj-ea"/>
-                <a:cs typeface="+mj-cs"/>
-                <a:sym typeface="Avenir Next"/>
-              </a:defRPr>
-            </a:pPr>
-            <a:endParaRPr lang="en-US" dirty="0">
-              <a:sym typeface="Avenir Next"/>
-            </a:endParaRPr>
-          </a:p>
-        </p:txBody>
-      </p:sp>
-      <p:sp>
-        <p:nvSpPr>
-          <p:cNvPr id="6" name="Build products that are fast, effortless to use, and aesthetically pleasing. Make things meaningful and worthy of your time.…">
-            <a:extLst>
-              <a:ext uri="{FF2B5EF4-FFF2-40B4-BE49-F238E27FC236}">
-                <a16:creationId xmlns:a16="http://schemas.microsoft.com/office/drawing/2014/main" id="{8A639B89-E474-9B43-9D64-8054DDDB456D}"/>
-              </a:ext>
-            </a:extLst>
-          </p:cNvPr>
-          <p:cNvSpPr txBox="1"/>
-          <p:nvPr/>
-        </p:nvSpPr>
-        <p:spPr>
-          <a:xfrm>
-            <a:off x="2641600" y="4144582"/>
-            <a:ext cx="19179617" cy="991297"/>
-          </a:xfrm>
-          <a:prstGeom prst="rect">
-            <a:avLst/>
-          </a:prstGeom>
-          <a:ln w="12700">
-            <a:miter lim="400000"/>
-          </a:ln>
-          <a:extLst>
-            <a:ext uri="{C572A759-6A51-4108-AA02-DFA0A04FC94B}">
-              <ma14:wrappingTextBoxFlag xmlns="" xmlns:m="http://schemas.openxmlformats.org/officeDocument/2006/math" xmlns:a14="http://schemas.microsoft.com/office/drawing/2010/main" xmlns:ma14="http://schemas.microsoft.com/office/mac/drawingml/2011/main" val="1"/>
-            </a:ext>
-          </a:extLst>
-        </p:spPr>
-        <p:txBody>
-          <a:bodyPr wrap="square" lIns="50800" tIns="50800" rIns="50800" bIns="50800">
-            <a:spAutoFit/>
-          </a:bodyPr>
-          <a:lstStyle/>
-          <a:p>
-            <a:pPr algn="l">
-              <a:lnSpc>
-                <a:spcPct val="150000"/>
-              </a:lnSpc>
-              <a:defRPr sz="4200">
-                <a:latin typeface="+mj-lt"/>
-                <a:ea typeface="+mj-ea"/>
-                <a:cs typeface="+mj-cs"/>
-                <a:sym typeface="Avenir Next"/>
-              </a:defRPr>
-            </a:pPr>
-            <a:r>
-              <a:rPr lang="en-US" dirty="0">
-                <a:sym typeface="Avenir Next"/>
-              </a:rPr>
-              <a:t>Entry point, read text content</a:t>
-            </a:r>
-          </a:p>
-        </p:txBody>
-      </p:sp>
-      <p:pic>
-        <p:nvPicPr>
-          <p:cNvPr id="10" name="Picture 9" descr="A picture containing sitting, food, drawing&#10;&#10;Description automatically generated">
-            <a:extLst>
-              <a:ext uri="{FF2B5EF4-FFF2-40B4-BE49-F238E27FC236}">
-                <a16:creationId xmlns:a16="http://schemas.microsoft.com/office/drawing/2014/main" id="{6181E9A8-2181-C240-BA47-8E40A18998ED}"/>
+                <a16:creationId xmlns:a16="http://schemas.microsoft.com/office/drawing/2014/main" id="{A3D0EEB2-AAD5-2E40-9EC3-AA82F40E7762}"/>
               </a:ext>
             </a:extLst>
           </p:cNvPr>
@@ -15340,8 +15221,8 @@
         </p:blipFill>
         <p:spPr>
           <a:xfrm>
-            <a:off x="2178050" y="5354668"/>
-            <a:ext cx="10928350" cy="2527646"/>
+            <a:off x="1963064" y="4640231"/>
+            <a:ext cx="13014900" cy="3010249"/>
           </a:xfrm>
           <a:prstGeom prst="rect">
             <a:avLst/>
@@ -15351,7 +15232,7 @@
     </p:spTree>
     <p:extLst>
       <p:ext uri="{BB962C8B-B14F-4D97-AF65-F5344CB8AC3E}">
-        <p14:creationId xmlns:p14="http://schemas.microsoft.com/office/powerpoint/2010/main" val="892164560"/>
+        <p14:creationId xmlns:p14="http://schemas.microsoft.com/office/powerpoint/2010/main" val="1916686671"/>
       </p:ext>
     </p:extLst>
   </p:cSld>
@@ -15603,14 +15484,14 @@
       </p:grpSpPr>
       <p:sp>
         <p:nvSpPr>
-          <p:cNvPr id="76" name="Title goes here"/>
+          <p:cNvPr id="74" name="Red section title"/>
           <p:cNvSpPr txBox="1"/>
           <p:nvPr/>
         </p:nvSpPr>
         <p:spPr>
           <a:xfrm>
-            <a:off x="2572664" y="2699493"/>
-            <a:ext cx="14568091" cy="1087477"/>
+            <a:off x="6785891" y="4836933"/>
+            <a:ext cx="10812255" cy="4042132"/>
           </a:xfrm>
           <a:prstGeom prst="rect">
             <a:avLst/>
@@ -15629,8 +15510,11 @@
             <a:spAutoFit/>
           </a:bodyPr>
           <a:lstStyle>
-            <a:lvl1pPr algn="l">
-              <a:defRPr sz="6400" b="1">
+            <a:lvl1pPr>
+              <a:defRPr sz="12800" b="1">
+                <a:solidFill>
+                  <a:srgbClr val="FFFFFF"/>
+                </a:solidFill>
                 <a:latin typeface="+mj-lt"/>
                 <a:ea typeface="+mj-ea"/>
                 <a:cs typeface="+mj-cs"/>
@@ -15640,143 +15524,22 @@
           </a:lstStyle>
           <a:p>
             <a:r>
-              <a:rPr lang="en-US" dirty="0"/>
-              <a:t>14. DOM: single element navigation</a:t>
-            </a:r>
-          </a:p>
-        </p:txBody>
-      </p:sp>
-      <p:sp>
-        <p:nvSpPr>
-          <p:cNvPr id="78" name="Line"/>
-          <p:cNvSpPr/>
-          <p:nvPr/>
-        </p:nvSpPr>
-        <p:spPr>
-          <a:xfrm>
-            <a:off x="2641600" y="1846231"/>
-            <a:ext cx="1516409" cy="1"/>
-          </a:xfrm>
-          <a:prstGeom prst="line">
-            <a:avLst/>
-          </a:prstGeom>
-          <a:ln w="203200">
-            <a:solidFill>
-              <a:srgbClr val="FF3454"/>
-            </a:solidFill>
-            <a:miter lim="400000"/>
-          </a:ln>
-        </p:spPr>
-        <p:txBody>
-          <a:bodyPr lIns="50800" tIns="50800" rIns="50800" bIns="50800" anchor="ctr"/>
-          <a:lstStyle/>
-          <a:p>
-            <a:pPr algn="l">
-              <a:defRPr sz="2800">
-                <a:latin typeface="+mj-lt"/>
-                <a:ea typeface="+mj-ea"/>
-                <a:cs typeface="+mj-cs"/>
-                <a:sym typeface="Avenir Next"/>
-              </a:defRPr>
-            </a:pPr>
-            <a:endParaRPr/>
-          </a:p>
-        </p:txBody>
-      </p:sp>
-      <p:sp>
-        <p:nvSpPr>
-          <p:cNvPr id="5" name="Build products that are fast, effortless to use, and aesthetically pleasing. Make things meaningful and worthy of your time.…">
-            <a:extLst>
-              <a:ext uri="{FF2B5EF4-FFF2-40B4-BE49-F238E27FC236}">
-                <a16:creationId xmlns:a16="http://schemas.microsoft.com/office/drawing/2014/main" id="{7CB97C34-33FE-814D-8C51-742D4404DD26}"/>
-              </a:ext>
-            </a:extLst>
-          </p:cNvPr>
-          <p:cNvSpPr txBox="1"/>
-          <p:nvPr/>
-        </p:nvSpPr>
-        <p:spPr>
-          <a:xfrm>
-            <a:off x="2641600" y="4363371"/>
-            <a:ext cx="19179617" cy="991297"/>
-          </a:xfrm>
-          <a:prstGeom prst="rect">
-            <a:avLst/>
-          </a:prstGeom>
-          <a:ln w="12700">
-            <a:miter lim="400000"/>
-          </a:ln>
-          <a:extLst>
-            <a:ext uri="{C572A759-6A51-4108-AA02-DFA0A04FC94B}">
-              <ma14:wrappingTextBoxFlag xmlns="" xmlns:m="http://schemas.openxmlformats.org/officeDocument/2006/math" xmlns:a14="http://schemas.microsoft.com/office/drawing/2010/main" xmlns:ma14="http://schemas.microsoft.com/office/mac/drawingml/2011/main" val="1"/>
-            </a:ext>
-          </a:extLst>
-        </p:spPr>
-        <p:txBody>
-          <a:bodyPr wrap="square" lIns="50800" tIns="50800" rIns="50800" bIns="50800">
-            <a:spAutoFit/>
-          </a:bodyPr>
-          <a:lstStyle/>
-          <a:p>
-            <a:pPr marL="571500" indent="-571500" algn="l">
-              <a:lnSpc>
-                <a:spcPct val="150000"/>
-              </a:lnSpc>
-              <a:buFont typeface="Arial" panose="020B0604020202020204" pitchFamily="34" charset="0"/>
-              <a:buChar char="•"/>
-              <a:defRPr sz="4200">
-                <a:latin typeface="+mj-lt"/>
-                <a:ea typeface="+mj-ea"/>
-                <a:cs typeface="+mj-cs"/>
-                <a:sym typeface="Avenir Next"/>
-              </a:defRPr>
-            </a:pPr>
-            <a:endParaRPr lang="en-US" dirty="0">
-              <a:sym typeface="Avenir Next"/>
-            </a:endParaRPr>
-          </a:p>
-        </p:txBody>
-      </p:sp>
-      <p:pic>
-        <p:nvPicPr>
-          <p:cNvPr id="7" name="Picture 6" descr="A screenshot of a cell phone screen with text&#10;&#10;Description automatically generated">
-            <a:extLst>
-              <a:ext uri="{FF2B5EF4-FFF2-40B4-BE49-F238E27FC236}">
-                <a16:creationId xmlns:a16="http://schemas.microsoft.com/office/drawing/2014/main" id="{4C3E53BF-E7D8-8C40-BD0A-3706FD550D11}"/>
-              </a:ext>
-            </a:extLst>
-          </p:cNvPr>
-          <p:cNvPicPr>
-            <a:picLocks noChangeAspect="1"/>
-          </p:cNvPicPr>
-          <p:nvPr/>
-        </p:nvPicPr>
-        <p:blipFill>
-          <a:blip r:embed="rId2">
-            <a:extLst>
-              <a:ext uri="{28A0092B-C50C-407E-A947-70E740481C1C}">
-                <a14:useLocalDpi xmlns:a14="http://schemas.microsoft.com/office/drawing/2010/main" val="0"/>
-              </a:ext>
-            </a:extLst>
-          </a:blip>
-          <a:stretch>
-            <a:fillRect/>
-          </a:stretch>
-        </p:blipFill>
-        <p:spPr>
-          <a:xfrm>
-            <a:off x="2298699" y="4185570"/>
-            <a:ext cx="20941727" cy="6576937"/>
-          </a:xfrm>
-          <a:prstGeom prst="rect">
-            <a:avLst/>
-          </a:prstGeom>
-        </p:spPr>
-      </p:pic>
+              <a:rPr lang="lt-LT" dirty="0"/>
+              <a:t>TASK: </a:t>
+            </a:r>
+          </a:p>
+          <a:p>
+            <a:r>
+              <a:rPr lang="lt-LT" dirty="0"/>
+              <a:t>13-add-script</a:t>
+            </a:r>
+          </a:p>
+        </p:txBody>
+      </p:sp>
     </p:spTree>
     <p:extLst>
       <p:ext uri="{BB962C8B-B14F-4D97-AF65-F5344CB8AC3E}">
-        <p14:creationId xmlns:p14="http://schemas.microsoft.com/office/powerpoint/2010/main" val="174656480"/>
+        <p14:creationId xmlns:p14="http://schemas.microsoft.com/office/powerpoint/2010/main" val="4136761610"/>
       </p:ext>
     </p:extLst>
   </p:cSld>
@@ -15806,14 +15569,14 @@
       </p:grpSpPr>
       <p:sp>
         <p:nvSpPr>
-          <p:cNvPr id="74" name="Red section title"/>
+          <p:cNvPr id="76" name="Title goes here"/>
           <p:cNvSpPr txBox="1"/>
           <p:nvPr/>
         </p:nvSpPr>
         <p:spPr>
           <a:xfrm>
-            <a:off x="7023146" y="4836933"/>
-            <a:ext cx="10337766" cy="4042132"/>
+            <a:off x="2572664" y="2699493"/>
+            <a:ext cx="3733394" cy="1087477"/>
           </a:xfrm>
           <a:prstGeom prst="rect">
             <a:avLst/>
@@ -15832,11 +15595,8 @@
             <a:spAutoFit/>
           </a:bodyPr>
           <a:lstStyle>
-            <a:lvl1pPr>
-              <a:defRPr sz="12800" b="1">
-                <a:solidFill>
-                  <a:srgbClr val="FFFFFF"/>
-                </a:solidFill>
+            <a:lvl1pPr algn="l">
+              <a:defRPr sz="6400" b="1">
                 <a:latin typeface="+mj-lt"/>
                 <a:ea typeface="+mj-ea"/>
                 <a:cs typeface="+mj-cs"/>
@@ -15846,23 +15606,183 @@
           </a:lstStyle>
           <a:p>
             <a:r>
-              <a:rPr lang="lt-LT" dirty="0"/>
-              <a:t>TASK:</a:t>
-            </a:r>
-          </a:p>
-          <a:p>
-            <a:r>
-              <a:rPr lang="lt-LT" dirty="0"/>
-              <a:t>dom.task1.js</a:t>
-            </a:r>
-            <a:endParaRPr dirty="0"/>
+              <a:rPr lang="en-US" dirty="0"/>
+              <a:t>14. DOM</a:t>
+            </a:r>
+          </a:p>
+        </p:txBody>
+      </p:sp>
+      <p:sp>
+        <p:nvSpPr>
+          <p:cNvPr id="78" name="Line"/>
+          <p:cNvSpPr/>
+          <p:nvPr/>
+        </p:nvSpPr>
+        <p:spPr>
+          <a:xfrm>
+            <a:off x="2641600" y="1846231"/>
+            <a:ext cx="1516409" cy="1"/>
+          </a:xfrm>
+          <a:prstGeom prst="line">
+            <a:avLst/>
+          </a:prstGeom>
+          <a:ln w="203200">
+            <a:solidFill>
+              <a:srgbClr val="FF3454"/>
+            </a:solidFill>
+            <a:miter lim="400000"/>
+          </a:ln>
+        </p:spPr>
+        <p:txBody>
+          <a:bodyPr lIns="50800" tIns="50800" rIns="50800" bIns="50800" anchor="ctr"/>
+          <a:lstStyle/>
+          <a:p>
+            <a:pPr algn="l">
+              <a:defRPr sz="2800">
+                <a:latin typeface="+mj-lt"/>
+                <a:ea typeface="+mj-ea"/>
+                <a:cs typeface="+mj-cs"/>
+                <a:sym typeface="Avenir Next"/>
+              </a:defRPr>
+            </a:pPr>
+            <a:endParaRPr/>
+          </a:p>
+        </p:txBody>
+      </p:sp>
+      <p:sp>
+        <p:nvSpPr>
+          <p:cNvPr id="5" name="Build products that are fast, effortless to use, and aesthetically pleasing. Make things meaningful and worthy of your time.…">
+            <a:extLst>
+              <a:ext uri="{FF2B5EF4-FFF2-40B4-BE49-F238E27FC236}">
+                <a16:creationId xmlns:a16="http://schemas.microsoft.com/office/drawing/2014/main" id="{7CB97C34-33FE-814D-8C51-742D4404DD26}"/>
+              </a:ext>
+            </a:extLst>
+          </p:cNvPr>
+          <p:cNvSpPr txBox="1"/>
+          <p:nvPr/>
+        </p:nvSpPr>
+        <p:spPr>
+          <a:xfrm>
+            <a:off x="2641600" y="4363371"/>
+            <a:ext cx="19179617" cy="3899786"/>
+          </a:xfrm>
+          <a:prstGeom prst="rect">
+            <a:avLst/>
+          </a:prstGeom>
+          <a:ln w="12700">
+            <a:miter lim="400000"/>
+          </a:ln>
+          <a:extLst>
+            <a:ext uri="{C572A759-6A51-4108-AA02-DFA0A04FC94B}">
+              <ma14:wrappingTextBoxFlag xmlns="" xmlns:m="http://schemas.openxmlformats.org/officeDocument/2006/math" xmlns:a14="http://schemas.microsoft.com/office/drawing/2010/main" xmlns:ma14="http://schemas.microsoft.com/office/mac/drawingml/2011/main" val="1"/>
+            </a:ext>
+          </a:extLst>
+        </p:spPr>
+        <p:txBody>
+          <a:bodyPr wrap="square" lIns="50800" tIns="50800" rIns="50800" bIns="50800">
+            <a:spAutoFit/>
+          </a:bodyPr>
+          <a:lstStyle/>
+          <a:p>
+            <a:pPr marL="571500" indent="-571500" algn="l">
+              <a:lnSpc>
+                <a:spcPct val="150000"/>
+              </a:lnSpc>
+              <a:buFont typeface="Arial" panose="020B0604020202020204" pitchFamily="34" charset="0"/>
+              <a:buChar char="•"/>
+              <a:defRPr sz="4200">
+                <a:latin typeface="+mj-lt"/>
+                <a:ea typeface="+mj-ea"/>
+                <a:cs typeface="+mj-cs"/>
+                <a:sym typeface="Avenir Next"/>
+              </a:defRPr>
+            </a:pPr>
+            <a:r>
+              <a:rPr lang="en-US" dirty="0">
+                <a:sym typeface="Avenir Next"/>
+              </a:rPr>
+              <a:t>Document Object Model</a:t>
+            </a:r>
+          </a:p>
+          <a:p>
+            <a:pPr marL="571500" indent="-571500" algn="l">
+              <a:lnSpc>
+                <a:spcPct val="150000"/>
+              </a:lnSpc>
+              <a:buFont typeface="Arial" panose="020B0604020202020204" pitchFamily="34" charset="0"/>
+              <a:buChar char="•"/>
+              <a:defRPr sz="4200">
+                <a:latin typeface="+mj-lt"/>
+                <a:ea typeface="+mj-ea"/>
+                <a:cs typeface="+mj-cs"/>
+                <a:sym typeface="Avenir Next"/>
+              </a:defRPr>
+            </a:pPr>
+            <a:r>
+              <a:rPr lang="en-US" dirty="0">
+                <a:sym typeface="Avenir Next"/>
+              </a:rPr>
+              <a:t>Page contents as objects that can be modified</a:t>
+            </a:r>
+          </a:p>
+          <a:p>
+            <a:pPr marL="571500" indent="-571500" algn="l">
+              <a:lnSpc>
+                <a:spcPct val="150000"/>
+              </a:lnSpc>
+              <a:buFont typeface="Arial" panose="020B0604020202020204" pitchFamily="34" charset="0"/>
+              <a:buChar char="•"/>
+              <a:defRPr sz="4200">
+                <a:latin typeface="+mj-lt"/>
+                <a:ea typeface="+mj-ea"/>
+                <a:cs typeface="+mj-cs"/>
+                <a:sym typeface="Avenir Next"/>
+              </a:defRPr>
+            </a:pPr>
+            <a:r>
+              <a:rPr lang="en-US" dirty="0">
+                <a:sym typeface="Avenir Next"/>
+              </a:rPr>
+              <a:t>DOM specification </a:t>
+            </a:r>
+            <a:r>
+              <a:rPr lang="en-US" sz="4200" dirty="0">
+                <a:sym typeface="Avenir Next"/>
+                <a:hlinkClick r:id="rId2"/>
+              </a:rPr>
+              <a:t>https://dom.spec.whatwg.org/</a:t>
+            </a:r>
+            <a:endParaRPr lang="en-US" sz="4200" dirty="0">
+              <a:sym typeface="Avenir Next"/>
+            </a:endParaRPr>
+          </a:p>
+          <a:p>
+            <a:pPr marL="571500" indent="-571500" algn="l">
+              <a:lnSpc>
+                <a:spcPct val="150000"/>
+              </a:lnSpc>
+              <a:buFont typeface="Arial" panose="020B0604020202020204" pitchFamily="34" charset="0"/>
+              <a:buChar char="•"/>
+              <a:defRPr sz="4200">
+                <a:latin typeface="+mj-lt"/>
+                <a:ea typeface="+mj-ea"/>
+                <a:cs typeface="+mj-cs"/>
+                <a:sym typeface="Avenir Next"/>
+              </a:defRPr>
+            </a:pPr>
+            <a:r>
+              <a:rPr lang="en-US" dirty="0">
+                <a:sym typeface="Avenir Next"/>
+              </a:rPr>
+              <a:t>DOM is not only for the browser</a:t>
+            </a:r>
           </a:p>
         </p:txBody>
       </p:sp>
     </p:spTree>
     <p:extLst>
       <p:ext uri="{BB962C8B-B14F-4D97-AF65-F5344CB8AC3E}">
-        <p14:creationId xmlns:p14="http://schemas.microsoft.com/office/powerpoint/2010/main" val="3656913422"/>
+        <p14:creationId xmlns:p14="http://schemas.microsoft.com/office/powerpoint/2010/main" val="3036108895"/>
       </p:ext>
     </p:extLst>
   </p:cSld>
@@ -15899,7 +15819,7 @@
         <p:spPr>
           <a:xfrm>
             <a:off x="2572664" y="2699493"/>
-            <a:ext cx="8497519" cy="1087477"/>
+            <a:ext cx="7688002" cy="1087477"/>
           </a:xfrm>
           <a:prstGeom prst="rect">
             <a:avLst/>
@@ -15930,7 +15850,7 @@
           <a:p>
             <a:r>
               <a:rPr lang="en-US" dirty="0"/>
-              <a:t>14. DOM: collections</a:t>
+              <a:t>14. DOM: navigate</a:t>
             </a:r>
           </a:p>
         </p:txBody>
@@ -15987,7 +15907,7 @@
         <p:spPr>
           <a:xfrm>
             <a:off x="2641600" y="4363371"/>
-            <a:ext cx="19179617" cy="1960793"/>
+            <a:ext cx="19179617" cy="991297"/>
           </a:xfrm>
           <a:prstGeom prst="rect">
             <a:avLst/>
@@ -16020,20 +15940,51 @@
                 <a:sym typeface="Avenir Next"/>
               </a:defRPr>
             </a:pPr>
-            <a:r>
-              <a:rPr lang="en-US" dirty="0">
-                <a:sym typeface="Avenir Next"/>
-              </a:rPr>
-              <a:t>read-only, do not replace by reassigning</a:t>
-            </a:r>
-          </a:p>
-          <a:p>
-            <a:pPr marL="571500" indent="-571500" algn="l">
+            <a:endParaRPr lang="en-US" dirty="0">
+              <a:sym typeface="Avenir Next"/>
+            </a:endParaRPr>
+          </a:p>
+        </p:txBody>
+      </p:sp>
+      <p:sp>
+        <p:nvSpPr>
+          <p:cNvPr id="6" name="Build products that are fast, effortless to use, and aesthetically pleasing. Make things meaningful and worthy of your time.…">
+            <a:extLst>
+              <a:ext uri="{FF2B5EF4-FFF2-40B4-BE49-F238E27FC236}">
+                <a16:creationId xmlns:a16="http://schemas.microsoft.com/office/drawing/2014/main" id="{8A639B89-E474-9B43-9D64-8054DDDB456D}"/>
+              </a:ext>
+            </a:extLst>
+          </p:cNvPr>
+          <p:cNvSpPr txBox="1"/>
+          <p:nvPr/>
+        </p:nvSpPr>
+        <p:spPr>
+          <a:xfrm>
+            <a:off x="2641600" y="4144582"/>
+            <a:ext cx="19179617" cy="991297"/>
+          </a:xfrm>
+          <a:prstGeom prst="rect">
+            <a:avLst/>
+          </a:prstGeom>
+          <a:ln w="12700">
+            <a:miter lim="400000"/>
+          </a:ln>
+          <a:extLst>
+            <a:ext uri="{C572A759-6A51-4108-AA02-DFA0A04FC94B}">
+              <ma14:wrappingTextBoxFlag xmlns="" xmlns:m="http://schemas.openxmlformats.org/officeDocument/2006/math" xmlns:a14="http://schemas.microsoft.com/office/drawing/2010/main" xmlns:ma14="http://schemas.microsoft.com/office/mac/drawingml/2011/main" val="1"/>
+            </a:ext>
+          </a:extLst>
+        </p:spPr>
+        <p:txBody>
+          <a:bodyPr wrap="square" lIns="50800" tIns="50800" rIns="50800" bIns="50800">
+            <a:spAutoFit/>
+          </a:bodyPr>
+          <a:lstStyle/>
+          <a:p>
+            <a:pPr algn="l">
               <a:lnSpc>
                 <a:spcPct val="150000"/>
               </a:lnSpc>
-              <a:buFont typeface="Arial" panose="020B0604020202020204" pitchFamily="34" charset="0"/>
-              <a:buChar char="•"/>
               <a:defRPr sz="4200">
                 <a:latin typeface="+mj-lt"/>
                 <a:ea typeface="+mj-ea"/>
@@ -16045,17 +15996,17 @@
               <a:rPr lang="en-US" dirty="0">
                 <a:sym typeface="Avenir Next"/>
               </a:rPr>
-              <a:t>live – reflect current state</a:t>
+              <a:t>Entry point, read text content</a:t>
             </a:r>
           </a:p>
         </p:txBody>
       </p:sp>
       <p:pic>
         <p:nvPicPr>
-          <p:cNvPr id="3" name="Picture 2" descr="A picture containing sitting, table, black, man&#10;&#10;Description automatically generated">
+          <p:cNvPr id="10" name="Picture 9" descr="A picture containing sitting, food, drawing&#10;&#10;Description automatically generated">
             <a:extLst>
               <a:ext uri="{FF2B5EF4-FFF2-40B4-BE49-F238E27FC236}">
-                <a16:creationId xmlns:a16="http://schemas.microsoft.com/office/drawing/2014/main" id="{25D6E108-9C4F-FB4E-9B36-52FAE357CE2B}"/>
+                <a16:creationId xmlns:a16="http://schemas.microsoft.com/office/drawing/2014/main" id="{6181E9A8-2181-C240-BA47-8E40A18998ED}"/>
               </a:ext>
             </a:extLst>
           </p:cNvPr>
@@ -16078,8 +16029,8 @@
         </p:blipFill>
         <p:spPr>
           <a:xfrm>
-            <a:off x="2025650" y="6494356"/>
-            <a:ext cx="11563350" cy="2674516"/>
+            <a:off x="2178050" y="5354668"/>
+            <a:ext cx="10928350" cy="2527646"/>
           </a:xfrm>
           <a:prstGeom prst="rect">
             <a:avLst/>
@@ -16089,7 +16040,7 @@
     </p:spTree>
     <p:extLst>
       <p:ext uri="{BB962C8B-B14F-4D97-AF65-F5344CB8AC3E}">
-        <p14:creationId xmlns:p14="http://schemas.microsoft.com/office/powerpoint/2010/main" val="2926426952"/>
+        <p14:creationId xmlns:p14="http://schemas.microsoft.com/office/powerpoint/2010/main" val="892164560"/>
       </p:ext>
     </p:extLst>
   </p:cSld>
@@ -16119,14 +16070,14 @@
       </p:grpSpPr>
       <p:sp>
         <p:nvSpPr>
-          <p:cNvPr id="74" name="Red section title"/>
+          <p:cNvPr id="76" name="Title goes here"/>
           <p:cNvSpPr txBox="1"/>
           <p:nvPr/>
         </p:nvSpPr>
         <p:spPr>
           <a:xfrm>
-            <a:off x="7023146" y="4836933"/>
-            <a:ext cx="10337766" cy="4042132"/>
+            <a:off x="2572664" y="2699493"/>
+            <a:ext cx="14568091" cy="1087477"/>
           </a:xfrm>
           <a:prstGeom prst="rect">
             <a:avLst/>
@@ -16145,11 +16096,8 @@
             <a:spAutoFit/>
           </a:bodyPr>
           <a:lstStyle>
-            <a:lvl1pPr>
-              <a:defRPr sz="12800" b="1">
-                <a:solidFill>
-                  <a:srgbClr val="FFFFFF"/>
-                </a:solidFill>
+            <a:lvl1pPr algn="l">
+              <a:defRPr sz="6400" b="1">
                 <a:latin typeface="+mj-lt"/>
                 <a:ea typeface="+mj-ea"/>
                 <a:cs typeface="+mj-cs"/>
@@ -16159,23 +16107,143 @@
           </a:lstStyle>
           <a:p>
             <a:r>
-              <a:rPr lang="lt-LT" dirty="0"/>
-              <a:t>TASK:</a:t>
-            </a:r>
-          </a:p>
-          <a:p>
-            <a:r>
-              <a:rPr lang="lt-LT" dirty="0"/>
-              <a:t>dom.task2.js</a:t>
-            </a:r>
-            <a:endParaRPr dirty="0"/>
-          </a:p>
-        </p:txBody>
-      </p:sp>
+              <a:rPr lang="en-US" dirty="0"/>
+              <a:t>14. DOM: single element navigation</a:t>
+            </a:r>
+          </a:p>
+        </p:txBody>
+      </p:sp>
+      <p:sp>
+        <p:nvSpPr>
+          <p:cNvPr id="78" name="Line"/>
+          <p:cNvSpPr/>
+          <p:nvPr/>
+        </p:nvSpPr>
+        <p:spPr>
+          <a:xfrm>
+            <a:off x="2641600" y="1846231"/>
+            <a:ext cx="1516409" cy="1"/>
+          </a:xfrm>
+          <a:prstGeom prst="line">
+            <a:avLst/>
+          </a:prstGeom>
+          <a:ln w="203200">
+            <a:solidFill>
+              <a:srgbClr val="FF3454"/>
+            </a:solidFill>
+            <a:miter lim="400000"/>
+          </a:ln>
+        </p:spPr>
+        <p:txBody>
+          <a:bodyPr lIns="50800" tIns="50800" rIns="50800" bIns="50800" anchor="ctr"/>
+          <a:lstStyle/>
+          <a:p>
+            <a:pPr algn="l">
+              <a:defRPr sz="2800">
+                <a:latin typeface="+mj-lt"/>
+                <a:ea typeface="+mj-ea"/>
+                <a:cs typeface="+mj-cs"/>
+                <a:sym typeface="Avenir Next"/>
+              </a:defRPr>
+            </a:pPr>
+            <a:endParaRPr/>
+          </a:p>
+        </p:txBody>
+      </p:sp>
+      <p:sp>
+        <p:nvSpPr>
+          <p:cNvPr id="5" name="Build products that are fast, effortless to use, and aesthetically pleasing. Make things meaningful and worthy of your time.…">
+            <a:extLst>
+              <a:ext uri="{FF2B5EF4-FFF2-40B4-BE49-F238E27FC236}">
+                <a16:creationId xmlns:a16="http://schemas.microsoft.com/office/drawing/2014/main" id="{7CB97C34-33FE-814D-8C51-742D4404DD26}"/>
+              </a:ext>
+            </a:extLst>
+          </p:cNvPr>
+          <p:cNvSpPr txBox="1"/>
+          <p:nvPr/>
+        </p:nvSpPr>
+        <p:spPr>
+          <a:xfrm>
+            <a:off x="2641600" y="4363371"/>
+            <a:ext cx="19179617" cy="991297"/>
+          </a:xfrm>
+          <a:prstGeom prst="rect">
+            <a:avLst/>
+          </a:prstGeom>
+          <a:ln w="12700">
+            <a:miter lim="400000"/>
+          </a:ln>
+          <a:extLst>
+            <a:ext uri="{C572A759-6A51-4108-AA02-DFA0A04FC94B}">
+              <ma14:wrappingTextBoxFlag xmlns="" xmlns:m="http://schemas.openxmlformats.org/officeDocument/2006/math" xmlns:a14="http://schemas.microsoft.com/office/drawing/2010/main" xmlns:ma14="http://schemas.microsoft.com/office/mac/drawingml/2011/main" val="1"/>
+            </a:ext>
+          </a:extLst>
+        </p:spPr>
+        <p:txBody>
+          <a:bodyPr wrap="square" lIns="50800" tIns="50800" rIns="50800" bIns="50800">
+            <a:spAutoFit/>
+          </a:bodyPr>
+          <a:lstStyle/>
+          <a:p>
+            <a:pPr marL="571500" indent="-571500" algn="l">
+              <a:lnSpc>
+                <a:spcPct val="150000"/>
+              </a:lnSpc>
+              <a:buFont typeface="Arial" panose="020B0604020202020204" pitchFamily="34" charset="0"/>
+              <a:buChar char="•"/>
+              <a:defRPr sz="4200">
+                <a:latin typeface="+mj-lt"/>
+                <a:ea typeface="+mj-ea"/>
+                <a:cs typeface="+mj-cs"/>
+                <a:sym typeface="Avenir Next"/>
+              </a:defRPr>
+            </a:pPr>
+            <a:endParaRPr lang="en-US" dirty="0">
+              <a:sym typeface="Avenir Next"/>
+            </a:endParaRPr>
+          </a:p>
+        </p:txBody>
+      </p:sp>
+      <p:pic>
+        <p:nvPicPr>
+          <p:cNvPr id="7" name="Picture 6" descr="A screenshot of a cell phone screen with text&#10;&#10;Description automatically generated">
+            <a:extLst>
+              <a:ext uri="{FF2B5EF4-FFF2-40B4-BE49-F238E27FC236}">
+                <a16:creationId xmlns:a16="http://schemas.microsoft.com/office/drawing/2014/main" id="{4C3E53BF-E7D8-8C40-BD0A-3706FD550D11}"/>
+              </a:ext>
+            </a:extLst>
+          </p:cNvPr>
+          <p:cNvPicPr>
+            <a:picLocks noChangeAspect="1"/>
+          </p:cNvPicPr>
+          <p:nvPr/>
+        </p:nvPicPr>
+        <p:blipFill>
+          <a:blip r:embed="rId2">
+            <a:extLst>
+              <a:ext uri="{28A0092B-C50C-407E-A947-70E740481C1C}">
+                <a14:useLocalDpi xmlns:a14="http://schemas.microsoft.com/office/drawing/2010/main" val="0"/>
+              </a:ext>
+            </a:extLst>
+          </a:blip>
+          <a:stretch>
+            <a:fillRect/>
+          </a:stretch>
+        </p:blipFill>
+        <p:spPr>
+          <a:xfrm>
+            <a:off x="2298699" y="4185570"/>
+            <a:ext cx="20941727" cy="6576937"/>
+          </a:xfrm>
+          <a:prstGeom prst="rect">
+            <a:avLst/>
+          </a:prstGeom>
+        </p:spPr>
+      </p:pic>
     </p:spTree>
     <p:extLst>
       <p:ext uri="{BB962C8B-B14F-4D97-AF65-F5344CB8AC3E}">
-        <p14:creationId xmlns:p14="http://schemas.microsoft.com/office/powerpoint/2010/main" val="59211961"/>
+        <p14:creationId xmlns:p14="http://schemas.microsoft.com/office/powerpoint/2010/main" val="174656480"/>
       </p:ext>
     </p:extLst>
   </p:cSld>
@@ -16205,14 +16273,14 @@
       </p:grpSpPr>
       <p:sp>
         <p:nvSpPr>
-          <p:cNvPr id="76" name="Title goes here"/>
+          <p:cNvPr id="74" name="Red section title"/>
           <p:cNvSpPr txBox="1"/>
           <p:nvPr/>
         </p:nvSpPr>
         <p:spPr>
           <a:xfrm>
-            <a:off x="2572664" y="2699493"/>
-            <a:ext cx="8087150" cy="1087477"/>
+            <a:off x="7023146" y="4836933"/>
+            <a:ext cx="10337766" cy="4042132"/>
           </a:xfrm>
           <a:prstGeom prst="rect">
             <a:avLst/>
@@ -16231,8 +16299,11 @@
             <a:spAutoFit/>
           </a:bodyPr>
           <a:lstStyle>
-            <a:lvl1pPr algn="l">
-              <a:defRPr sz="6400" b="1">
+            <a:lvl1pPr>
+              <a:defRPr sz="12800" b="1">
+                <a:solidFill>
+                  <a:srgbClr val="FFFFFF"/>
+                </a:solidFill>
                 <a:latin typeface="+mj-lt"/>
                 <a:ea typeface="+mj-ea"/>
                 <a:cs typeface="+mj-cs"/>
@@ -16242,143 +16313,23 @@
           </a:lstStyle>
           <a:p>
             <a:r>
-              <a:rPr lang="en-US" dirty="0"/>
-              <a:t>14. DOM: searching</a:t>
-            </a:r>
-          </a:p>
-        </p:txBody>
-      </p:sp>
-      <p:sp>
-        <p:nvSpPr>
-          <p:cNvPr id="78" name="Line"/>
-          <p:cNvSpPr/>
-          <p:nvPr/>
-        </p:nvSpPr>
-        <p:spPr>
-          <a:xfrm>
-            <a:off x="2641600" y="1846231"/>
-            <a:ext cx="1516409" cy="1"/>
-          </a:xfrm>
-          <a:prstGeom prst="line">
-            <a:avLst/>
-          </a:prstGeom>
-          <a:ln w="203200">
-            <a:solidFill>
-              <a:srgbClr val="FF3454"/>
-            </a:solidFill>
-            <a:miter lim="400000"/>
-          </a:ln>
-        </p:spPr>
-        <p:txBody>
-          <a:bodyPr lIns="50800" tIns="50800" rIns="50800" bIns="50800" anchor="ctr"/>
-          <a:lstStyle/>
-          <a:p>
-            <a:pPr algn="l">
-              <a:defRPr sz="2800">
-                <a:latin typeface="+mj-lt"/>
-                <a:ea typeface="+mj-ea"/>
-                <a:cs typeface="+mj-cs"/>
-                <a:sym typeface="Avenir Next"/>
-              </a:defRPr>
-            </a:pPr>
-            <a:endParaRPr/>
-          </a:p>
-        </p:txBody>
-      </p:sp>
-      <p:sp>
-        <p:nvSpPr>
-          <p:cNvPr id="5" name="Build products that are fast, effortless to use, and aesthetically pleasing. Make things meaningful and worthy of your time.…">
-            <a:extLst>
-              <a:ext uri="{FF2B5EF4-FFF2-40B4-BE49-F238E27FC236}">
-                <a16:creationId xmlns:a16="http://schemas.microsoft.com/office/drawing/2014/main" id="{7CB97C34-33FE-814D-8C51-742D4404DD26}"/>
-              </a:ext>
-            </a:extLst>
-          </p:cNvPr>
-          <p:cNvSpPr txBox="1"/>
-          <p:nvPr/>
-        </p:nvSpPr>
-        <p:spPr>
-          <a:xfrm>
-            <a:off x="2641600" y="4363371"/>
-            <a:ext cx="19179617" cy="991297"/>
-          </a:xfrm>
-          <a:prstGeom prst="rect">
-            <a:avLst/>
-          </a:prstGeom>
-          <a:ln w="12700">
-            <a:miter lim="400000"/>
-          </a:ln>
-          <a:extLst>
-            <a:ext uri="{C572A759-6A51-4108-AA02-DFA0A04FC94B}">
-              <ma14:wrappingTextBoxFlag xmlns="" xmlns:m="http://schemas.openxmlformats.org/officeDocument/2006/math" xmlns:a14="http://schemas.microsoft.com/office/drawing/2010/main" xmlns:ma14="http://schemas.microsoft.com/office/mac/drawingml/2011/main" val="1"/>
-            </a:ext>
-          </a:extLst>
-        </p:spPr>
-        <p:txBody>
-          <a:bodyPr wrap="square" lIns="50800" tIns="50800" rIns="50800" bIns="50800">
-            <a:spAutoFit/>
-          </a:bodyPr>
-          <a:lstStyle/>
-          <a:p>
-            <a:pPr marL="571500" indent="-571500" algn="l">
-              <a:lnSpc>
-                <a:spcPct val="150000"/>
-              </a:lnSpc>
-              <a:buFont typeface="Arial" panose="020B0604020202020204" pitchFamily="34" charset="0"/>
-              <a:buChar char="•"/>
-              <a:defRPr sz="4200">
-                <a:latin typeface="+mj-lt"/>
-                <a:ea typeface="+mj-ea"/>
-                <a:cs typeface="+mj-cs"/>
-                <a:sym typeface="Avenir Next"/>
-              </a:defRPr>
-            </a:pPr>
-            <a:endParaRPr lang="en-US" dirty="0">
-              <a:sym typeface="Avenir Next"/>
-            </a:endParaRPr>
-          </a:p>
-        </p:txBody>
-      </p:sp>
-      <p:pic>
-        <p:nvPicPr>
-          <p:cNvPr id="3" name="Picture 2" descr="A screenshot of a cell phone&#10;&#10;Description automatically generated">
-            <a:extLst>
-              <a:ext uri="{FF2B5EF4-FFF2-40B4-BE49-F238E27FC236}">
-                <a16:creationId xmlns:a16="http://schemas.microsoft.com/office/drawing/2014/main" id="{C7FD20D2-1E56-414C-BF95-1513CC4FCB3D}"/>
-              </a:ext>
-            </a:extLst>
-          </p:cNvPr>
-          <p:cNvPicPr>
-            <a:picLocks noChangeAspect="1"/>
-          </p:cNvPicPr>
-          <p:nvPr/>
-        </p:nvPicPr>
-        <p:blipFill>
-          <a:blip r:embed="rId2">
-            <a:extLst>
-              <a:ext uri="{28A0092B-C50C-407E-A947-70E740481C1C}">
-                <a14:useLocalDpi xmlns:a14="http://schemas.microsoft.com/office/drawing/2010/main" val="0"/>
-              </a:ext>
-            </a:extLst>
-          </a:blip>
-          <a:stretch>
-            <a:fillRect/>
-          </a:stretch>
-        </p:blipFill>
-        <p:spPr>
-          <a:xfrm>
-            <a:off x="1874325" y="4109371"/>
-            <a:ext cx="20635349" cy="7506398"/>
-          </a:xfrm>
-          <a:prstGeom prst="rect">
-            <a:avLst/>
-          </a:prstGeom>
-        </p:spPr>
-      </p:pic>
+              <a:rPr lang="lt-LT" dirty="0"/>
+              <a:t>TASK:</a:t>
+            </a:r>
+          </a:p>
+          <a:p>
+            <a:r>
+              <a:rPr lang="lt-LT" dirty="0"/>
+              <a:t>dom.task1.js</a:t>
+            </a:r>
+            <a:endParaRPr dirty="0"/>
+          </a:p>
+        </p:txBody>
+      </p:sp>
     </p:spTree>
     <p:extLst>
       <p:ext uri="{BB962C8B-B14F-4D97-AF65-F5344CB8AC3E}">
-        <p14:creationId xmlns:p14="http://schemas.microsoft.com/office/powerpoint/2010/main" val="2169077524"/>
+        <p14:creationId xmlns:p14="http://schemas.microsoft.com/office/powerpoint/2010/main" val="3656913422"/>
       </p:ext>
     </p:extLst>
   </p:cSld>
@@ -16408,14 +16359,14 @@
       </p:grpSpPr>
       <p:sp>
         <p:nvSpPr>
-          <p:cNvPr id="74" name="Red section title"/>
+          <p:cNvPr id="76" name="Title goes here"/>
           <p:cNvSpPr txBox="1"/>
           <p:nvPr/>
         </p:nvSpPr>
         <p:spPr>
           <a:xfrm>
-            <a:off x="7023147" y="4836933"/>
-            <a:ext cx="10337766" cy="4042132"/>
+            <a:off x="2572664" y="2699493"/>
+            <a:ext cx="8497519" cy="1087477"/>
           </a:xfrm>
           <a:prstGeom prst="rect">
             <a:avLst/>
@@ -16434,11 +16385,8 @@
             <a:spAutoFit/>
           </a:bodyPr>
           <a:lstStyle>
-            <a:lvl1pPr>
-              <a:defRPr sz="12800" b="1">
-                <a:solidFill>
-                  <a:srgbClr val="FFFFFF"/>
-                </a:solidFill>
+            <a:lvl1pPr algn="l">
+              <a:defRPr sz="6400" b="1">
                 <a:latin typeface="+mj-lt"/>
                 <a:ea typeface="+mj-ea"/>
                 <a:cs typeface="+mj-cs"/>
@@ -16448,23 +16396,167 @@
           </a:lstStyle>
           <a:p>
             <a:r>
-              <a:rPr lang="lt-LT" dirty="0"/>
-              <a:t>TASK:</a:t>
-            </a:r>
-          </a:p>
-          <a:p>
-            <a:r>
-              <a:rPr lang="lt-LT" dirty="0"/>
-              <a:t>dom.task3.js</a:t>
-            </a:r>
-            <a:endParaRPr dirty="0"/>
-          </a:p>
-        </p:txBody>
-      </p:sp>
+              <a:rPr lang="en-US" dirty="0"/>
+              <a:t>14. DOM: collections</a:t>
+            </a:r>
+          </a:p>
+        </p:txBody>
+      </p:sp>
+      <p:sp>
+        <p:nvSpPr>
+          <p:cNvPr id="78" name="Line"/>
+          <p:cNvSpPr/>
+          <p:nvPr/>
+        </p:nvSpPr>
+        <p:spPr>
+          <a:xfrm>
+            <a:off x="2641600" y="1846231"/>
+            <a:ext cx="1516409" cy="1"/>
+          </a:xfrm>
+          <a:prstGeom prst="line">
+            <a:avLst/>
+          </a:prstGeom>
+          <a:ln w="203200">
+            <a:solidFill>
+              <a:srgbClr val="FF3454"/>
+            </a:solidFill>
+            <a:miter lim="400000"/>
+          </a:ln>
+        </p:spPr>
+        <p:txBody>
+          <a:bodyPr lIns="50800" tIns="50800" rIns="50800" bIns="50800" anchor="ctr"/>
+          <a:lstStyle/>
+          <a:p>
+            <a:pPr algn="l">
+              <a:defRPr sz="2800">
+                <a:latin typeface="+mj-lt"/>
+                <a:ea typeface="+mj-ea"/>
+                <a:cs typeface="+mj-cs"/>
+                <a:sym typeface="Avenir Next"/>
+              </a:defRPr>
+            </a:pPr>
+            <a:endParaRPr/>
+          </a:p>
+        </p:txBody>
+      </p:sp>
+      <p:sp>
+        <p:nvSpPr>
+          <p:cNvPr id="5" name="Build products that are fast, effortless to use, and aesthetically pleasing. Make things meaningful and worthy of your time.…">
+            <a:extLst>
+              <a:ext uri="{FF2B5EF4-FFF2-40B4-BE49-F238E27FC236}">
+                <a16:creationId xmlns:a16="http://schemas.microsoft.com/office/drawing/2014/main" id="{7CB97C34-33FE-814D-8C51-742D4404DD26}"/>
+              </a:ext>
+            </a:extLst>
+          </p:cNvPr>
+          <p:cNvSpPr txBox="1"/>
+          <p:nvPr/>
+        </p:nvSpPr>
+        <p:spPr>
+          <a:xfrm>
+            <a:off x="2641600" y="4363371"/>
+            <a:ext cx="19179617" cy="1960793"/>
+          </a:xfrm>
+          <a:prstGeom prst="rect">
+            <a:avLst/>
+          </a:prstGeom>
+          <a:ln w="12700">
+            <a:miter lim="400000"/>
+          </a:ln>
+          <a:extLst>
+            <a:ext uri="{C572A759-6A51-4108-AA02-DFA0A04FC94B}">
+              <ma14:wrappingTextBoxFlag xmlns="" xmlns:m="http://schemas.openxmlformats.org/officeDocument/2006/math" xmlns:a14="http://schemas.microsoft.com/office/drawing/2010/main" xmlns:ma14="http://schemas.microsoft.com/office/mac/drawingml/2011/main" val="1"/>
+            </a:ext>
+          </a:extLst>
+        </p:spPr>
+        <p:txBody>
+          <a:bodyPr wrap="square" lIns="50800" tIns="50800" rIns="50800" bIns="50800">
+            <a:spAutoFit/>
+          </a:bodyPr>
+          <a:lstStyle/>
+          <a:p>
+            <a:pPr marL="571500" indent="-571500" algn="l">
+              <a:lnSpc>
+                <a:spcPct val="150000"/>
+              </a:lnSpc>
+              <a:buFont typeface="Arial" panose="020B0604020202020204" pitchFamily="34" charset="0"/>
+              <a:buChar char="•"/>
+              <a:defRPr sz="4200">
+                <a:latin typeface="+mj-lt"/>
+                <a:ea typeface="+mj-ea"/>
+                <a:cs typeface="+mj-cs"/>
+                <a:sym typeface="Avenir Next"/>
+              </a:defRPr>
+            </a:pPr>
+            <a:r>
+              <a:rPr lang="en-US" dirty="0">
+                <a:sym typeface="Avenir Next"/>
+              </a:rPr>
+              <a:t>read-only, do not replace by reassigning</a:t>
+            </a:r>
+          </a:p>
+          <a:p>
+            <a:pPr marL="571500" indent="-571500" algn="l">
+              <a:lnSpc>
+                <a:spcPct val="150000"/>
+              </a:lnSpc>
+              <a:buFont typeface="Arial" panose="020B0604020202020204" pitchFamily="34" charset="0"/>
+              <a:buChar char="•"/>
+              <a:defRPr sz="4200">
+                <a:latin typeface="+mj-lt"/>
+                <a:ea typeface="+mj-ea"/>
+                <a:cs typeface="+mj-cs"/>
+                <a:sym typeface="Avenir Next"/>
+              </a:defRPr>
+            </a:pPr>
+            <a:r>
+              <a:rPr lang="en-US" dirty="0">
+                <a:sym typeface="Avenir Next"/>
+              </a:rPr>
+              <a:t>live – reflect current state</a:t>
+            </a:r>
+          </a:p>
+        </p:txBody>
+      </p:sp>
+      <p:pic>
+        <p:nvPicPr>
+          <p:cNvPr id="3" name="Picture 2" descr="A picture containing sitting, table, black, man&#10;&#10;Description automatically generated">
+            <a:extLst>
+              <a:ext uri="{FF2B5EF4-FFF2-40B4-BE49-F238E27FC236}">
+                <a16:creationId xmlns:a16="http://schemas.microsoft.com/office/drawing/2014/main" id="{25D6E108-9C4F-FB4E-9B36-52FAE357CE2B}"/>
+              </a:ext>
+            </a:extLst>
+          </p:cNvPr>
+          <p:cNvPicPr>
+            <a:picLocks noChangeAspect="1"/>
+          </p:cNvPicPr>
+          <p:nvPr/>
+        </p:nvPicPr>
+        <p:blipFill>
+          <a:blip r:embed="rId2">
+            <a:extLst>
+              <a:ext uri="{28A0092B-C50C-407E-A947-70E740481C1C}">
+                <a14:useLocalDpi xmlns:a14="http://schemas.microsoft.com/office/drawing/2010/main" val="0"/>
+              </a:ext>
+            </a:extLst>
+          </a:blip>
+          <a:stretch>
+            <a:fillRect/>
+          </a:stretch>
+        </p:blipFill>
+        <p:spPr>
+          <a:xfrm>
+            <a:off x="2025650" y="6494356"/>
+            <a:ext cx="11563350" cy="2674516"/>
+          </a:xfrm>
+          <a:prstGeom prst="rect">
+            <a:avLst/>
+          </a:prstGeom>
+        </p:spPr>
+      </p:pic>
     </p:spTree>
     <p:extLst>
       <p:ext uri="{BB962C8B-B14F-4D97-AF65-F5344CB8AC3E}">
-        <p14:creationId xmlns:p14="http://schemas.microsoft.com/office/powerpoint/2010/main" val="296591906"/>
+        <p14:creationId xmlns:p14="http://schemas.microsoft.com/office/powerpoint/2010/main" val="2926426952"/>
       </p:ext>
     </p:extLst>
   </p:cSld>
@@ -16494,14 +16586,14 @@
       </p:grpSpPr>
       <p:sp>
         <p:nvSpPr>
-          <p:cNvPr id="76" name="Title goes here"/>
+          <p:cNvPr id="74" name="Red section title"/>
           <p:cNvSpPr txBox="1"/>
           <p:nvPr/>
         </p:nvSpPr>
         <p:spPr>
           <a:xfrm>
-            <a:off x="2572664" y="2699493"/>
-            <a:ext cx="11857413" cy="1087477"/>
+            <a:off x="7023146" y="4836933"/>
+            <a:ext cx="10337766" cy="4042132"/>
           </a:xfrm>
           <a:prstGeom prst="rect">
             <a:avLst/>
@@ -16520,8 +16612,11 @@
             <a:spAutoFit/>
           </a:bodyPr>
           <a:lstStyle>
-            <a:lvl1pPr algn="l">
-              <a:defRPr sz="6400" b="1">
+            <a:lvl1pPr>
+              <a:defRPr sz="12800" b="1">
+                <a:solidFill>
+                  <a:srgbClr val="FFFFFF"/>
+                </a:solidFill>
                 <a:latin typeface="+mj-lt"/>
                 <a:ea typeface="+mj-ea"/>
                 <a:cs typeface="+mj-cs"/>
@@ -16531,265 +16626,23 @@
           </a:lstStyle>
           <a:p>
             <a:r>
-              <a:rPr lang="en-US" dirty="0"/>
-              <a:t>14. DOM: element properties</a:t>
-            </a:r>
-          </a:p>
-        </p:txBody>
-      </p:sp>
-      <p:sp>
-        <p:nvSpPr>
-          <p:cNvPr id="78" name="Line"/>
-          <p:cNvSpPr/>
-          <p:nvPr/>
-        </p:nvSpPr>
-        <p:spPr>
-          <a:xfrm>
-            <a:off x="2641600" y="1846231"/>
-            <a:ext cx="1516409" cy="1"/>
-          </a:xfrm>
-          <a:prstGeom prst="line">
-            <a:avLst/>
-          </a:prstGeom>
-          <a:ln w="203200">
-            <a:solidFill>
-              <a:srgbClr val="FF3454"/>
-            </a:solidFill>
-            <a:miter lim="400000"/>
-          </a:ln>
-        </p:spPr>
-        <p:txBody>
-          <a:bodyPr lIns="50800" tIns="50800" rIns="50800" bIns="50800" anchor="ctr"/>
-          <a:lstStyle/>
-          <a:p>
-            <a:pPr algn="l">
-              <a:defRPr sz="2800">
-                <a:latin typeface="+mj-lt"/>
-                <a:ea typeface="+mj-ea"/>
-                <a:cs typeface="+mj-cs"/>
-                <a:sym typeface="Avenir Next"/>
-              </a:defRPr>
-            </a:pPr>
-            <a:endParaRPr/>
-          </a:p>
-        </p:txBody>
-      </p:sp>
-      <p:sp>
-        <p:nvSpPr>
-          <p:cNvPr id="5" name="Build products that are fast, effortless to use, and aesthetically pleasing. Make things meaningful and worthy of your time.…">
-            <a:extLst>
-              <a:ext uri="{FF2B5EF4-FFF2-40B4-BE49-F238E27FC236}">
-                <a16:creationId xmlns:a16="http://schemas.microsoft.com/office/drawing/2014/main" id="{7CB97C34-33FE-814D-8C51-742D4404DD26}"/>
-              </a:ext>
-            </a:extLst>
-          </p:cNvPr>
-          <p:cNvSpPr txBox="1"/>
-          <p:nvPr/>
-        </p:nvSpPr>
-        <p:spPr>
-          <a:xfrm>
-            <a:off x="2641600" y="4363371"/>
-            <a:ext cx="19179617" cy="991297"/>
-          </a:xfrm>
-          <a:prstGeom prst="rect">
-            <a:avLst/>
-          </a:prstGeom>
-          <a:ln w="12700">
-            <a:miter lim="400000"/>
-          </a:ln>
-          <a:extLst>
-            <a:ext uri="{C572A759-6A51-4108-AA02-DFA0A04FC94B}">
-              <ma14:wrappingTextBoxFlag xmlns="" xmlns:m="http://schemas.openxmlformats.org/officeDocument/2006/math" xmlns:a14="http://schemas.microsoft.com/office/drawing/2010/main" xmlns:ma14="http://schemas.microsoft.com/office/mac/drawingml/2011/main" val="1"/>
-            </a:ext>
-          </a:extLst>
-        </p:spPr>
-        <p:txBody>
-          <a:bodyPr wrap="square" lIns="50800" tIns="50800" rIns="50800" bIns="50800">
-            <a:spAutoFit/>
-          </a:bodyPr>
-          <a:lstStyle/>
-          <a:p>
-            <a:pPr marL="571500" indent="-571500" algn="l">
-              <a:lnSpc>
-                <a:spcPct val="150000"/>
-              </a:lnSpc>
-              <a:buFont typeface="Arial" panose="020B0604020202020204" pitchFamily="34" charset="0"/>
-              <a:buChar char="•"/>
-              <a:defRPr sz="4200">
-                <a:latin typeface="+mj-lt"/>
-                <a:ea typeface="+mj-ea"/>
-                <a:cs typeface="+mj-cs"/>
-                <a:sym typeface="Avenir Next"/>
-              </a:defRPr>
-            </a:pPr>
-            <a:endParaRPr lang="en-US" dirty="0">
-              <a:sym typeface="Avenir Next"/>
-            </a:endParaRPr>
-          </a:p>
-        </p:txBody>
-      </p:sp>
-      <p:sp>
-        <p:nvSpPr>
-          <p:cNvPr id="2" name="TextBox 1">
-            <a:extLst>
-              <a:ext uri="{FF2B5EF4-FFF2-40B4-BE49-F238E27FC236}">
-                <a16:creationId xmlns:a16="http://schemas.microsoft.com/office/drawing/2014/main" id="{32053E46-AD78-6E40-953A-102DA9F238F4}"/>
-              </a:ext>
-            </a:extLst>
-          </p:cNvPr>
-          <p:cNvSpPr txBox="1"/>
-          <p:nvPr/>
-        </p:nvSpPr>
-        <p:spPr>
-          <a:xfrm>
-            <a:off x="2641600" y="4640231"/>
-            <a:ext cx="7628033" cy="2318583"/>
-          </a:xfrm>
-          <a:prstGeom prst="rect">
-            <a:avLst/>
-          </a:prstGeom>
-          <a:noFill/>
-          <a:ln w="12700" cap="flat">
-            <a:noFill/>
-            <a:miter lim="400000"/>
-          </a:ln>
-          <a:effectLst/>
-          <a:sp3d/>
-        </p:spPr>
-        <p:style>
-          <a:lnRef idx="0">
-            <a:scrgbClr r="0" g="0" b="0"/>
-          </a:lnRef>
-          <a:fillRef idx="0">
-            <a:scrgbClr r="0" g="0" b="0"/>
-          </a:fillRef>
-          <a:effectRef idx="0">
-            <a:scrgbClr r="0" g="0" b="0"/>
-          </a:effectRef>
-          <a:fontRef idx="none"/>
-        </p:style>
-        <p:txBody>
-          <a:bodyPr rot="0" spcFirstLastPara="1" vertOverflow="overflow" horzOverflow="overflow" vert="horz" wrap="square" lIns="50800" tIns="50800" rIns="50800" bIns="50800" numCol="1" spcCol="38100" rtlCol="0" anchor="ctr">
-            <a:spAutoFit/>
-          </a:bodyPr>
-          <a:lstStyle/>
-          <a:p>
-            <a:pPr marL="685800" marR="0" indent="-685800" algn="l" defTabSz="825500" rtl="0" fontAlgn="auto" latinLnBrk="0" hangingPunct="0">
-              <a:lnSpc>
-                <a:spcPct val="100000"/>
-              </a:lnSpc>
-              <a:spcBef>
-                <a:spcPts val="0"/>
-              </a:spcBef>
-              <a:spcAft>
-                <a:spcPts val="0"/>
-              </a:spcAft>
-              <a:buClrTx/>
-              <a:buSzTx/>
-              <a:buFont typeface="Arial" panose="020B0604020202020204" pitchFamily="34" charset="0"/>
-              <a:buChar char="•"/>
-              <a:tabLst/>
-            </a:pPr>
-            <a:r>
-              <a:rPr kumimoji="0" lang="en-US" sz="4800" b="0" i="0" u="none" strike="noStrike" cap="none" spc="0" normalizeH="0" baseline="0" dirty="0" err="1">
-                <a:ln>
-                  <a:noFill/>
-                </a:ln>
-                <a:solidFill>
-                  <a:srgbClr val="38393C"/>
-                </a:solidFill>
-                <a:effectLst/>
-                <a:uFillTx/>
-                <a:latin typeface="+mj-lt"/>
-                <a:ea typeface="+mn-ea"/>
-                <a:cs typeface="+mn-cs"/>
-                <a:sym typeface="Avenir Next Demi Bold"/>
-              </a:rPr>
-              <a:t>tagName</a:t>
-            </a:r>
-            <a:endParaRPr kumimoji="0" lang="en-US" sz="4800" b="0" i="0" u="none" strike="noStrike" cap="none" spc="0" normalizeH="0" baseline="0" dirty="0">
-              <a:ln>
-                <a:noFill/>
-              </a:ln>
-              <a:solidFill>
-                <a:srgbClr val="38393C"/>
-              </a:solidFill>
-              <a:effectLst/>
-              <a:uFillTx/>
-              <a:latin typeface="+mj-lt"/>
-              <a:ea typeface="+mn-ea"/>
-              <a:cs typeface="+mn-cs"/>
-              <a:sym typeface="Avenir Next Demi Bold"/>
-            </a:endParaRPr>
-          </a:p>
-          <a:p>
-            <a:pPr marL="685800" marR="0" indent="-685800" algn="l" defTabSz="825500" rtl="0" fontAlgn="auto" latinLnBrk="0" hangingPunct="0">
-              <a:lnSpc>
-                <a:spcPct val="100000"/>
-              </a:lnSpc>
-              <a:spcBef>
-                <a:spcPts val="0"/>
-              </a:spcBef>
-              <a:spcAft>
-                <a:spcPts val="0"/>
-              </a:spcAft>
-              <a:buClrTx/>
-              <a:buSzTx/>
-              <a:buFont typeface="Arial" panose="020B0604020202020204" pitchFamily="34" charset="0"/>
-              <a:buChar char="•"/>
-              <a:tabLst/>
-            </a:pPr>
-            <a:r>
-              <a:rPr lang="en-US" dirty="0" err="1">
-                <a:latin typeface="+mj-lt"/>
-              </a:rPr>
-              <a:t>innerHTML</a:t>
-            </a:r>
-            <a:endParaRPr lang="en-US" dirty="0">
-              <a:latin typeface="+mj-lt"/>
-            </a:endParaRPr>
-          </a:p>
-          <a:p>
-            <a:pPr marL="685800" marR="0" indent="-685800" algn="l" defTabSz="825500" rtl="0" fontAlgn="auto" latinLnBrk="0" hangingPunct="0">
-              <a:lnSpc>
-                <a:spcPct val="100000"/>
-              </a:lnSpc>
-              <a:spcBef>
-                <a:spcPts val="0"/>
-              </a:spcBef>
-              <a:spcAft>
-                <a:spcPts val="0"/>
-              </a:spcAft>
-              <a:buClrTx/>
-              <a:buSzTx/>
-              <a:buFont typeface="Arial" panose="020B0604020202020204" pitchFamily="34" charset="0"/>
-              <a:buChar char="•"/>
-              <a:tabLst/>
-            </a:pPr>
-            <a:r>
-              <a:rPr kumimoji="0" lang="en-US" sz="4800" b="0" i="0" u="none" strike="noStrike" cap="none" spc="0" normalizeH="0" baseline="0" dirty="0">
-                <a:ln>
-                  <a:noFill/>
-                </a:ln>
-                <a:solidFill>
-                  <a:srgbClr val="38393C"/>
-                </a:solidFill>
-                <a:effectLst/>
-                <a:uFillTx/>
-                <a:latin typeface="+mj-lt"/>
-                <a:ea typeface="+mn-ea"/>
-                <a:cs typeface="+mn-cs"/>
-                <a:sym typeface="Avenir Next Demi Bold"/>
-              </a:rPr>
-              <a:t>type, id, value</a:t>
-            </a:r>
+              <a:rPr lang="lt-LT" dirty="0"/>
+              <a:t>TASK:</a:t>
+            </a:r>
+          </a:p>
+          <a:p>
+            <a:r>
+              <a:rPr lang="lt-LT" dirty="0"/>
+              <a:t>dom.task2.js</a:t>
+            </a:r>
+            <a:endParaRPr dirty="0"/>
           </a:p>
         </p:txBody>
       </p:sp>
     </p:spTree>
     <p:extLst>
       <p:ext uri="{BB962C8B-B14F-4D97-AF65-F5344CB8AC3E}">
-        <p14:creationId xmlns:p14="http://schemas.microsoft.com/office/powerpoint/2010/main" val="3038222032"/>
+        <p14:creationId xmlns:p14="http://schemas.microsoft.com/office/powerpoint/2010/main" val="59211961"/>
       </p:ext>
     </p:extLst>
   </p:cSld>
@@ -16826,7 +16679,7 @@
         <p:spPr>
           <a:xfrm>
             <a:off x="2572664" y="2699493"/>
-            <a:ext cx="8079135" cy="1087477"/>
+            <a:ext cx="8087150" cy="1087477"/>
           </a:xfrm>
           <a:prstGeom prst="rect">
             <a:avLst/>
@@ -16857,7 +16710,7 @@
           <a:p>
             <a:r>
               <a:rPr lang="en-US" dirty="0"/>
-              <a:t>14. DOM: attributes</a:t>
+              <a:t>14. DOM: searching</a:t>
             </a:r>
           </a:p>
         </p:txBody>
@@ -16953,233 +16806,46 @@
           </a:p>
         </p:txBody>
       </p:sp>
-      <p:sp>
-        <p:nvSpPr>
-          <p:cNvPr id="3" name="TextBox 2">
+      <p:pic>
+        <p:nvPicPr>
+          <p:cNvPr id="3" name="Picture 2" descr="A screenshot of a cell phone&#10;&#10;Description automatically generated">
             <a:extLst>
               <a:ext uri="{FF2B5EF4-FFF2-40B4-BE49-F238E27FC236}">
-                <a16:creationId xmlns:a16="http://schemas.microsoft.com/office/drawing/2014/main" id="{F2704E19-F2D5-8E4E-9160-DA6FECA332B1}"/>
+                <a16:creationId xmlns:a16="http://schemas.microsoft.com/office/drawing/2014/main" id="{C7FD20D2-1E56-414C-BF95-1513CC4FCB3D}"/>
               </a:ext>
             </a:extLst>
           </p:cNvPr>
-          <p:cNvSpPr txBox="1"/>
-          <p:nvPr/>
-        </p:nvSpPr>
-        <p:spPr>
-          <a:xfrm>
-            <a:off x="2716839" y="4565422"/>
-            <a:ext cx="5519140" cy="3795911"/>
-          </a:xfrm>
-          <a:prstGeom prst="rect">
-            <a:avLst/>
-          </a:prstGeom>
-          <a:noFill/>
-          <a:ln w="12700" cap="flat">
-            <a:noFill/>
-            <a:miter lim="400000"/>
-          </a:ln>
-          <a:effectLst/>
-          <a:sp3d/>
-        </p:spPr>
-        <p:style>
-          <a:lnRef idx="0">
-            <a:scrgbClr r="0" g="0" b="0"/>
-          </a:lnRef>
-          <a:fillRef idx="0">
-            <a:scrgbClr r="0" g="0" b="0"/>
-          </a:fillRef>
-          <a:effectRef idx="0">
-            <a:scrgbClr r="0" g="0" b="0"/>
-          </a:effectRef>
-          <a:fontRef idx="none"/>
-        </p:style>
-        <p:txBody>
-          <a:bodyPr rot="0" spcFirstLastPara="1" vertOverflow="overflow" horzOverflow="overflow" vert="horz" wrap="none" lIns="50800" tIns="50800" rIns="50800" bIns="50800" numCol="1" spcCol="38100" rtlCol="0" anchor="ctr">
-            <a:spAutoFit/>
-          </a:bodyPr>
-          <a:lstStyle/>
-          <a:p>
-            <a:pPr marL="685800" marR="0" indent="-685800" algn="l" defTabSz="825500" rtl="0" fontAlgn="auto" latinLnBrk="0" hangingPunct="0">
-              <a:lnSpc>
-                <a:spcPct val="100000"/>
-              </a:lnSpc>
-              <a:spcBef>
-                <a:spcPts val="0"/>
-              </a:spcBef>
-              <a:spcAft>
-                <a:spcPts val="0"/>
-              </a:spcAft>
-              <a:buClrTx/>
-              <a:buSzTx/>
-              <a:buFont typeface="Arial" panose="020B0604020202020204" pitchFamily="34" charset="0"/>
-              <a:buChar char="•"/>
-              <a:tabLst/>
-            </a:pPr>
-            <a:r>
-              <a:rPr kumimoji="0" lang="en-US" sz="4800" b="0" i="0" u="none" strike="noStrike" cap="none" spc="0" normalizeH="0" baseline="0" dirty="0" err="1">
-                <a:ln>
-                  <a:noFill/>
-                </a:ln>
-                <a:solidFill>
-                  <a:srgbClr val="38393C"/>
-                </a:solidFill>
-                <a:effectLst/>
-                <a:uFillTx/>
-                <a:latin typeface="+mj-lt"/>
-                <a:ea typeface="+mn-ea"/>
-                <a:cs typeface="+mn-cs"/>
-                <a:sym typeface="Avenir Next Demi Bold"/>
-              </a:rPr>
-              <a:t>hasAttribute</a:t>
-            </a:r>
-            <a:endParaRPr kumimoji="0" lang="en-US" sz="4800" b="0" i="0" u="none" strike="noStrike" cap="none" spc="0" normalizeH="0" baseline="0" dirty="0">
-              <a:ln>
-                <a:noFill/>
-              </a:ln>
-              <a:solidFill>
-                <a:srgbClr val="38393C"/>
-              </a:solidFill>
-              <a:effectLst/>
-              <a:uFillTx/>
-              <a:latin typeface="+mj-lt"/>
-              <a:ea typeface="+mn-ea"/>
-              <a:cs typeface="+mn-cs"/>
-              <a:sym typeface="Avenir Next Demi Bold"/>
-            </a:endParaRPr>
-          </a:p>
-          <a:p>
-            <a:pPr marL="685800" marR="0" indent="-685800" algn="l" defTabSz="825500" rtl="0" fontAlgn="auto" latinLnBrk="0" hangingPunct="0">
-              <a:lnSpc>
-                <a:spcPct val="100000"/>
-              </a:lnSpc>
-              <a:spcBef>
-                <a:spcPts val="0"/>
-              </a:spcBef>
-              <a:spcAft>
-                <a:spcPts val="0"/>
-              </a:spcAft>
-              <a:buClrTx/>
-              <a:buSzTx/>
-              <a:buFont typeface="Arial" panose="020B0604020202020204" pitchFamily="34" charset="0"/>
-              <a:buChar char="•"/>
-              <a:tabLst/>
-            </a:pPr>
-            <a:r>
-              <a:rPr lang="en-US" dirty="0" err="1">
-                <a:latin typeface="+mj-lt"/>
-              </a:rPr>
-              <a:t>getAttribute</a:t>
-            </a:r>
-            <a:endParaRPr lang="en-US" dirty="0">
-              <a:latin typeface="+mj-lt"/>
-            </a:endParaRPr>
-          </a:p>
-          <a:p>
-            <a:pPr marL="685800" marR="0" indent="-685800" algn="l" defTabSz="825500" rtl="0" fontAlgn="auto" latinLnBrk="0" hangingPunct="0">
-              <a:lnSpc>
-                <a:spcPct val="100000"/>
-              </a:lnSpc>
-              <a:spcBef>
-                <a:spcPts val="0"/>
-              </a:spcBef>
-              <a:spcAft>
-                <a:spcPts val="0"/>
-              </a:spcAft>
-              <a:buClrTx/>
-              <a:buSzTx/>
-              <a:buFont typeface="Arial" panose="020B0604020202020204" pitchFamily="34" charset="0"/>
-              <a:buChar char="•"/>
-              <a:tabLst/>
-            </a:pPr>
-            <a:r>
-              <a:rPr kumimoji="0" lang="en-US" sz="4800" b="0" i="0" u="none" strike="noStrike" cap="none" spc="0" normalizeH="0" baseline="0" dirty="0" err="1">
-                <a:ln>
-                  <a:noFill/>
-                </a:ln>
-                <a:solidFill>
-                  <a:srgbClr val="38393C"/>
-                </a:solidFill>
-                <a:effectLst/>
-                <a:uFillTx/>
-                <a:latin typeface="+mj-lt"/>
-                <a:ea typeface="+mn-ea"/>
-                <a:cs typeface="+mn-cs"/>
-                <a:sym typeface="Avenir Next Demi Bold"/>
-              </a:rPr>
-              <a:t>setAttribute</a:t>
-            </a:r>
-            <a:endParaRPr kumimoji="0" lang="en-US" sz="4800" b="0" i="0" u="none" strike="noStrike" cap="none" spc="0" normalizeH="0" baseline="0" dirty="0">
-              <a:ln>
-                <a:noFill/>
-              </a:ln>
-              <a:solidFill>
-                <a:srgbClr val="38393C"/>
-              </a:solidFill>
-              <a:effectLst/>
-              <a:uFillTx/>
-              <a:latin typeface="+mj-lt"/>
-              <a:ea typeface="+mn-ea"/>
-              <a:cs typeface="+mn-cs"/>
-              <a:sym typeface="Avenir Next Demi Bold"/>
-            </a:endParaRPr>
-          </a:p>
-          <a:p>
-            <a:pPr marL="685800" marR="0" indent="-685800" algn="l" defTabSz="825500" rtl="0" fontAlgn="auto" latinLnBrk="0" hangingPunct="0">
-              <a:lnSpc>
-                <a:spcPct val="100000"/>
-              </a:lnSpc>
-              <a:spcBef>
-                <a:spcPts val="0"/>
-              </a:spcBef>
-              <a:spcAft>
-                <a:spcPts val="0"/>
-              </a:spcAft>
-              <a:buClrTx/>
-              <a:buSzTx/>
-              <a:buFont typeface="Arial" panose="020B0604020202020204" pitchFamily="34" charset="0"/>
-              <a:buChar char="•"/>
-              <a:tabLst/>
-            </a:pPr>
-            <a:r>
-              <a:rPr lang="en-US" dirty="0" err="1">
-                <a:latin typeface="+mj-lt"/>
-              </a:rPr>
-              <a:t>removeAttribute</a:t>
-            </a:r>
-            <a:endParaRPr lang="en-US" dirty="0">
-              <a:latin typeface="+mj-lt"/>
-            </a:endParaRPr>
-          </a:p>
-          <a:p>
-            <a:pPr marL="685800" marR="0" indent="-685800" algn="l" defTabSz="825500" rtl="0" fontAlgn="auto" latinLnBrk="0" hangingPunct="0">
-              <a:lnSpc>
-                <a:spcPct val="100000"/>
-              </a:lnSpc>
-              <a:spcBef>
-                <a:spcPts val="0"/>
-              </a:spcBef>
-              <a:spcAft>
-                <a:spcPts val="0"/>
-              </a:spcAft>
-              <a:buClrTx/>
-              <a:buSzTx/>
-              <a:buFont typeface="Arial" panose="020B0604020202020204" pitchFamily="34" charset="0"/>
-              <a:buChar char="•"/>
-              <a:tabLst/>
-            </a:pPr>
-            <a:r>
-              <a:rPr lang="en-US" dirty="0">
-                <a:latin typeface="+mj-lt"/>
-              </a:rPr>
-              <a:t>dataset</a:t>
-            </a:r>
-          </a:p>
-        </p:txBody>
-      </p:sp>
+          <p:cNvPicPr>
+            <a:picLocks noChangeAspect="1"/>
+          </p:cNvPicPr>
+          <p:nvPr/>
+        </p:nvPicPr>
+        <p:blipFill>
+          <a:blip r:embed="rId2">
+            <a:extLst>
+              <a:ext uri="{28A0092B-C50C-407E-A947-70E740481C1C}">
+                <a14:useLocalDpi xmlns:a14="http://schemas.microsoft.com/office/drawing/2010/main" val="0"/>
+              </a:ext>
+            </a:extLst>
+          </a:blip>
+          <a:stretch>
+            <a:fillRect/>
+          </a:stretch>
+        </p:blipFill>
+        <p:spPr>
+          <a:xfrm>
+            <a:off x="1874325" y="4109371"/>
+            <a:ext cx="20635349" cy="7506398"/>
+          </a:xfrm>
+          <a:prstGeom prst="rect">
+            <a:avLst/>
+          </a:prstGeom>
+        </p:spPr>
+      </p:pic>
     </p:spTree>
     <p:extLst>
       <p:ext uri="{BB962C8B-B14F-4D97-AF65-F5344CB8AC3E}">
-        <p14:creationId xmlns:p14="http://schemas.microsoft.com/office/powerpoint/2010/main" val="3362801709"/>
+        <p14:creationId xmlns:p14="http://schemas.microsoft.com/office/powerpoint/2010/main" val="2169077524"/>
       </p:ext>
     </p:extLst>
   </p:cSld>
@@ -17215,7 +16881,7 @@
         </p:nvSpPr>
         <p:spPr>
           <a:xfrm>
-            <a:off x="7023146" y="4836933"/>
+            <a:off x="7023147" y="4836933"/>
             <a:ext cx="10337766" cy="4042132"/>
           </a:xfrm>
           <a:prstGeom prst="rect">
@@ -17256,7 +16922,7 @@
           <a:p>
             <a:r>
               <a:rPr lang="lt-LT" dirty="0"/>
-              <a:t>dom.task4.js</a:t>
+              <a:t>dom.task3.js</a:t>
             </a:r>
             <a:endParaRPr dirty="0"/>
           </a:p>
@@ -17265,7 +16931,7 @@
     </p:spTree>
     <p:extLst>
       <p:ext uri="{BB962C8B-B14F-4D97-AF65-F5344CB8AC3E}">
-        <p14:creationId xmlns:p14="http://schemas.microsoft.com/office/powerpoint/2010/main" val="3943095609"/>
+        <p14:creationId xmlns:p14="http://schemas.microsoft.com/office/powerpoint/2010/main" val="296591906"/>
       </p:ext>
     </p:extLst>
   </p:cSld>
@@ -17302,7 +16968,7 @@
         <p:spPr>
           <a:xfrm>
             <a:off x="2572664" y="2699493"/>
-            <a:ext cx="10741723" cy="1087477"/>
+            <a:ext cx="11857413" cy="1087477"/>
           </a:xfrm>
           <a:prstGeom prst="rect">
             <a:avLst/>
@@ -17333,7 +16999,7 @@
           <a:p>
             <a:r>
               <a:rPr lang="en-US" dirty="0"/>
-              <a:t>14. DOM: remove element</a:t>
+              <a:t>14. DOM: element properties</a:t>
             </a:r>
           </a:p>
         </p:txBody>
@@ -17431,10 +17097,10 @@
       </p:sp>
       <p:pic>
         <p:nvPicPr>
-          <p:cNvPr id="3" name="Picture 2" descr="A screen shot of a computer&#10;&#10;Description automatically generated">
+          <p:cNvPr id="7" name="Picture 6" descr="A close up of a screen&#10;&#10;Description automatically generated">
             <a:extLst>
               <a:ext uri="{FF2B5EF4-FFF2-40B4-BE49-F238E27FC236}">
-                <a16:creationId xmlns:a16="http://schemas.microsoft.com/office/drawing/2014/main" id="{64A84A73-D553-0A4C-9D9C-154350AA19AD}"/>
+                <a16:creationId xmlns:a16="http://schemas.microsoft.com/office/drawing/2014/main" id="{FA9D8481-CAE6-974D-96FA-821A46DC28C1}"/>
               </a:ext>
             </a:extLst>
           </p:cNvPr>
@@ -17457,8 +17123,8 @@
         </p:blipFill>
         <p:spPr>
           <a:xfrm>
-            <a:off x="2095500" y="4363371"/>
-            <a:ext cx="14490700" cy="2809984"/>
+            <a:off x="1826182" y="4024718"/>
+            <a:ext cx="17362085" cy="5666563"/>
           </a:xfrm>
           <a:prstGeom prst="rect">
             <a:avLst/>
@@ -17468,7 +17134,7 @@
     </p:spTree>
     <p:extLst>
       <p:ext uri="{BB962C8B-B14F-4D97-AF65-F5344CB8AC3E}">
-        <p14:creationId xmlns:p14="http://schemas.microsoft.com/office/powerpoint/2010/main" val="3351401486"/>
+        <p14:creationId xmlns:p14="http://schemas.microsoft.com/office/powerpoint/2010/main" val="3038222032"/>
       </p:ext>
     </p:extLst>
   </p:cSld>
@@ -17586,7 +17252,7 @@
         <p:spPr>
           <a:xfrm>
             <a:off x="2572664" y="2699493"/>
-            <a:ext cx="10182275" cy="1087477"/>
+            <a:ext cx="8079135" cy="1087477"/>
           </a:xfrm>
           <a:prstGeom prst="rect">
             <a:avLst/>
@@ -17617,7 +17283,7 @@
           <a:p>
             <a:r>
               <a:rPr lang="en-US" dirty="0"/>
-              <a:t>15. DOM: create element</a:t>
+              <a:t>14. DOM: attributes</a:t>
             </a:r>
           </a:p>
         </p:txBody>
@@ -17715,10 +17381,10 @@
       </p:sp>
       <p:pic>
         <p:nvPicPr>
-          <p:cNvPr id="3" name="Picture 2" descr="A screen shot of a computer&#10;&#10;Description automatically generated">
+          <p:cNvPr id="8" name="Picture 7" descr="A close up of a screen&#10;&#10;Description automatically generated">
             <a:extLst>
               <a:ext uri="{FF2B5EF4-FFF2-40B4-BE49-F238E27FC236}">
-                <a16:creationId xmlns:a16="http://schemas.microsoft.com/office/drawing/2014/main" id="{CD1C2597-C1E5-FD46-9CE2-9B16ADA8A53B}"/>
+                <a16:creationId xmlns:a16="http://schemas.microsoft.com/office/drawing/2014/main" id="{B2F1696A-3021-2849-B4B4-DDC760B339EE}"/>
               </a:ext>
             </a:extLst>
           </p:cNvPr>
@@ -17741,8 +17407,8 @@
         </p:blipFill>
         <p:spPr>
           <a:xfrm>
-            <a:off x="1851582" y="4112181"/>
-            <a:ext cx="14709217" cy="6904326"/>
+            <a:off x="2079298" y="4083970"/>
+            <a:ext cx="17740675" cy="7168229"/>
           </a:xfrm>
           <a:prstGeom prst="rect">
             <a:avLst/>
@@ -17752,7 +17418,7 @@
     </p:spTree>
     <p:extLst>
       <p:ext uri="{BB962C8B-B14F-4D97-AF65-F5344CB8AC3E}">
-        <p14:creationId xmlns:p14="http://schemas.microsoft.com/office/powerpoint/2010/main" val="3206928408"/>
+        <p14:creationId xmlns:p14="http://schemas.microsoft.com/office/powerpoint/2010/main" val="629148597"/>
       </p:ext>
     </p:extLst>
   </p:cSld>
@@ -17782,6 +17448,788 @@
       </p:grpSpPr>
       <p:sp>
         <p:nvSpPr>
+          <p:cNvPr id="76" name="Title goes here"/>
+          <p:cNvSpPr txBox="1"/>
+          <p:nvPr/>
+        </p:nvSpPr>
+        <p:spPr>
+          <a:xfrm>
+            <a:off x="2572664" y="2699493"/>
+            <a:ext cx="10058844" cy="1087477"/>
+          </a:xfrm>
+          <a:prstGeom prst="rect">
+            <a:avLst/>
+          </a:prstGeom>
+          <a:ln w="12700">
+            <a:miter lim="400000"/>
+          </a:ln>
+          <a:extLst>
+            <a:ext uri="{C572A759-6A51-4108-AA02-DFA0A04FC94B}">
+              <ma14:wrappingTextBoxFlag xmlns="" xmlns:m="http://schemas.openxmlformats.org/officeDocument/2006/math" xmlns:a14="http://schemas.microsoft.com/office/drawing/2010/main" xmlns:ma14="http://schemas.microsoft.com/office/mac/drawingml/2011/main" val="1"/>
+            </a:ext>
+          </a:extLst>
+        </p:spPr>
+        <p:txBody>
+          <a:bodyPr wrap="none" lIns="50800" tIns="50800" rIns="50800" bIns="50800" anchor="ctr">
+            <a:spAutoFit/>
+          </a:bodyPr>
+          <a:lstStyle>
+            <a:lvl1pPr algn="l">
+              <a:defRPr sz="6400" b="1">
+                <a:latin typeface="+mj-lt"/>
+                <a:ea typeface="+mj-ea"/>
+                <a:cs typeface="+mj-cs"/>
+                <a:sym typeface="Avenir Next"/>
+              </a:defRPr>
+            </a:lvl1pPr>
+          </a:lstStyle>
+          <a:p>
+            <a:r>
+              <a:rPr lang="en-US" dirty="0"/>
+              <a:t>14. DOM: data attributes</a:t>
+            </a:r>
+          </a:p>
+        </p:txBody>
+      </p:sp>
+      <p:sp>
+        <p:nvSpPr>
+          <p:cNvPr id="78" name="Line"/>
+          <p:cNvSpPr/>
+          <p:nvPr/>
+        </p:nvSpPr>
+        <p:spPr>
+          <a:xfrm>
+            <a:off x="2641600" y="1846231"/>
+            <a:ext cx="1516409" cy="1"/>
+          </a:xfrm>
+          <a:prstGeom prst="line">
+            <a:avLst/>
+          </a:prstGeom>
+          <a:ln w="203200">
+            <a:solidFill>
+              <a:srgbClr val="FF3454"/>
+            </a:solidFill>
+            <a:miter lim="400000"/>
+          </a:ln>
+        </p:spPr>
+        <p:txBody>
+          <a:bodyPr lIns="50800" tIns="50800" rIns="50800" bIns="50800" anchor="ctr"/>
+          <a:lstStyle/>
+          <a:p>
+            <a:pPr algn="l">
+              <a:defRPr sz="2800">
+                <a:latin typeface="+mj-lt"/>
+                <a:ea typeface="+mj-ea"/>
+                <a:cs typeface="+mj-cs"/>
+                <a:sym typeface="Avenir Next"/>
+              </a:defRPr>
+            </a:pPr>
+            <a:endParaRPr/>
+          </a:p>
+        </p:txBody>
+      </p:sp>
+      <p:sp>
+        <p:nvSpPr>
+          <p:cNvPr id="5" name="Build products that are fast, effortless to use, and aesthetically pleasing. Make things meaningful and worthy of your time.…">
+            <a:extLst>
+              <a:ext uri="{FF2B5EF4-FFF2-40B4-BE49-F238E27FC236}">
+                <a16:creationId xmlns:a16="http://schemas.microsoft.com/office/drawing/2014/main" id="{7CB97C34-33FE-814D-8C51-742D4404DD26}"/>
+              </a:ext>
+            </a:extLst>
+          </p:cNvPr>
+          <p:cNvSpPr txBox="1"/>
+          <p:nvPr/>
+        </p:nvSpPr>
+        <p:spPr>
+          <a:xfrm>
+            <a:off x="2641600" y="4363371"/>
+            <a:ext cx="19179617" cy="991297"/>
+          </a:xfrm>
+          <a:prstGeom prst="rect">
+            <a:avLst/>
+          </a:prstGeom>
+          <a:ln w="12700">
+            <a:miter lim="400000"/>
+          </a:ln>
+          <a:extLst>
+            <a:ext uri="{C572A759-6A51-4108-AA02-DFA0A04FC94B}">
+              <ma14:wrappingTextBoxFlag xmlns="" xmlns:m="http://schemas.openxmlformats.org/officeDocument/2006/math" xmlns:a14="http://schemas.microsoft.com/office/drawing/2010/main" xmlns:ma14="http://schemas.microsoft.com/office/mac/drawingml/2011/main" val="1"/>
+            </a:ext>
+          </a:extLst>
+        </p:spPr>
+        <p:txBody>
+          <a:bodyPr wrap="square" lIns="50800" tIns="50800" rIns="50800" bIns="50800">
+            <a:spAutoFit/>
+          </a:bodyPr>
+          <a:lstStyle/>
+          <a:p>
+            <a:pPr marL="571500" indent="-571500" algn="l">
+              <a:lnSpc>
+                <a:spcPct val="150000"/>
+              </a:lnSpc>
+              <a:buFont typeface="Arial" panose="020B0604020202020204" pitchFamily="34" charset="0"/>
+              <a:buChar char="•"/>
+              <a:defRPr sz="4200">
+                <a:latin typeface="+mj-lt"/>
+                <a:ea typeface="+mj-ea"/>
+                <a:cs typeface="+mj-cs"/>
+                <a:sym typeface="Avenir Next"/>
+              </a:defRPr>
+            </a:pPr>
+            <a:endParaRPr lang="en-US" dirty="0">
+              <a:sym typeface="Avenir Next"/>
+            </a:endParaRPr>
+          </a:p>
+        </p:txBody>
+      </p:sp>
+      <p:sp>
+        <p:nvSpPr>
+          <p:cNvPr id="3" name="TextBox 2">
+            <a:extLst>
+              <a:ext uri="{FF2B5EF4-FFF2-40B4-BE49-F238E27FC236}">
+                <a16:creationId xmlns:a16="http://schemas.microsoft.com/office/drawing/2014/main" id="{F2704E19-F2D5-8E4E-9160-DA6FECA332B1}"/>
+              </a:ext>
+            </a:extLst>
+          </p:cNvPr>
+          <p:cNvSpPr txBox="1"/>
+          <p:nvPr/>
+        </p:nvSpPr>
+        <p:spPr>
+          <a:xfrm>
+            <a:off x="2716839" y="6042749"/>
+            <a:ext cx="795089" cy="841256"/>
+          </a:xfrm>
+          <a:prstGeom prst="rect">
+            <a:avLst/>
+          </a:prstGeom>
+          <a:noFill/>
+          <a:ln w="12700" cap="flat">
+            <a:noFill/>
+            <a:miter lim="400000"/>
+          </a:ln>
+          <a:effectLst/>
+          <a:sp3d/>
+        </p:spPr>
+        <p:style>
+          <a:lnRef idx="0">
+            <a:scrgbClr r="0" g="0" b="0"/>
+          </a:lnRef>
+          <a:fillRef idx="0">
+            <a:scrgbClr r="0" g="0" b="0"/>
+          </a:fillRef>
+          <a:effectRef idx="0">
+            <a:scrgbClr r="0" g="0" b="0"/>
+          </a:effectRef>
+          <a:fontRef idx="none"/>
+        </p:style>
+        <p:txBody>
+          <a:bodyPr rot="0" spcFirstLastPara="1" vertOverflow="overflow" horzOverflow="overflow" vert="horz" wrap="none" lIns="50800" tIns="50800" rIns="50800" bIns="50800" numCol="1" spcCol="38100" rtlCol="0" anchor="ctr">
+            <a:spAutoFit/>
+          </a:bodyPr>
+          <a:lstStyle/>
+          <a:p>
+            <a:pPr marL="685800" marR="0" indent="-685800" algn="l" defTabSz="825500" rtl="0" fontAlgn="auto" latinLnBrk="0" hangingPunct="0">
+              <a:lnSpc>
+                <a:spcPct val="100000"/>
+              </a:lnSpc>
+              <a:spcBef>
+                <a:spcPts val="0"/>
+              </a:spcBef>
+              <a:spcAft>
+                <a:spcPts val="0"/>
+              </a:spcAft>
+              <a:buClrTx/>
+              <a:buSzTx/>
+              <a:buFont typeface="Arial" panose="020B0604020202020204" pitchFamily="34" charset="0"/>
+              <a:buChar char="•"/>
+              <a:tabLst/>
+            </a:pPr>
+            <a:endParaRPr lang="en-US" dirty="0">
+              <a:latin typeface="+mj-lt"/>
+            </a:endParaRPr>
+          </a:p>
+        </p:txBody>
+      </p:sp>
+      <p:sp>
+        <p:nvSpPr>
+          <p:cNvPr id="7" name="Build products that are fast, effortless to use, and aesthetically pleasing. Make things meaningful and worthy of your time.…">
+            <a:extLst>
+              <a:ext uri="{FF2B5EF4-FFF2-40B4-BE49-F238E27FC236}">
+                <a16:creationId xmlns:a16="http://schemas.microsoft.com/office/drawing/2014/main" id="{D4F106EF-1CBB-7147-9154-205ACF5C9B41}"/>
+              </a:ext>
+            </a:extLst>
+          </p:cNvPr>
+          <p:cNvSpPr txBox="1"/>
+          <p:nvPr/>
+        </p:nvSpPr>
+        <p:spPr>
+          <a:xfrm>
+            <a:off x="2641600" y="4363371"/>
+            <a:ext cx="19179617" cy="991297"/>
+          </a:xfrm>
+          <a:prstGeom prst="rect">
+            <a:avLst/>
+          </a:prstGeom>
+          <a:ln w="12700">
+            <a:miter lim="400000"/>
+          </a:ln>
+          <a:extLst>
+            <a:ext uri="{C572A759-6A51-4108-AA02-DFA0A04FC94B}">
+              <ma14:wrappingTextBoxFlag xmlns="" xmlns:m="http://schemas.openxmlformats.org/officeDocument/2006/math" xmlns:a14="http://schemas.microsoft.com/office/drawing/2010/main" xmlns:ma14="http://schemas.microsoft.com/office/mac/drawingml/2011/main" val="1"/>
+            </a:ext>
+          </a:extLst>
+        </p:spPr>
+        <p:txBody>
+          <a:bodyPr wrap="square" lIns="50800" tIns="50800" rIns="50800" bIns="50800">
+            <a:spAutoFit/>
+          </a:bodyPr>
+          <a:lstStyle/>
+          <a:p>
+            <a:pPr algn="l">
+              <a:lnSpc>
+                <a:spcPct val="150000"/>
+              </a:lnSpc>
+              <a:defRPr sz="4200">
+                <a:latin typeface="+mj-lt"/>
+                <a:ea typeface="+mj-ea"/>
+                <a:cs typeface="+mj-cs"/>
+                <a:sym typeface="Avenir Next"/>
+              </a:defRPr>
+            </a:pPr>
+            <a:r>
+              <a:rPr lang="en-US" dirty="0">
+                <a:sym typeface="Avenir Next"/>
+              </a:rPr>
+              <a:t>Data attributes are reserved for programmers</a:t>
+            </a:r>
+          </a:p>
+        </p:txBody>
+      </p:sp>
+    </p:spTree>
+    <p:extLst>
+      <p:ext uri="{BB962C8B-B14F-4D97-AF65-F5344CB8AC3E}">
+        <p14:creationId xmlns:p14="http://schemas.microsoft.com/office/powerpoint/2010/main" val="3362801709"/>
+      </p:ext>
+    </p:extLst>
+  </p:cSld>
+  <p:clrMapOvr>
+    <a:masterClrMapping/>
+  </p:clrMapOvr>
+  <p:transition spd="med"/>
+</p:sld>
+</file>
+
+<file path=ppt/slides/slide82.xml><?xml version="1.0" encoding="utf-8"?>
+<p:sld xmlns:a="http://schemas.openxmlformats.org/drawingml/2006/main" xmlns:r="http://schemas.openxmlformats.org/officeDocument/2006/relationships" xmlns:p="http://schemas.openxmlformats.org/presentationml/2006/main">
+  <p:cSld>
+    <p:spTree>
+      <p:nvGrpSpPr>
+        <p:cNvPr id="1" name=""/>
+        <p:cNvGrpSpPr/>
+        <p:nvPr/>
+      </p:nvGrpSpPr>
+      <p:grpSpPr>
+        <a:xfrm>
+          <a:off x="0" y="0"/>
+          <a:ext cx="0" cy="0"/>
+          <a:chOff x="0" y="0"/>
+          <a:chExt cx="0" cy="0"/>
+        </a:xfrm>
+      </p:grpSpPr>
+      <p:sp>
+        <p:nvSpPr>
+          <p:cNvPr id="74" name="Red section title"/>
+          <p:cNvSpPr txBox="1"/>
+          <p:nvPr/>
+        </p:nvSpPr>
+        <p:spPr>
+          <a:xfrm>
+            <a:off x="7023146" y="4836933"/>
+            <a:ext cx="10337766" cy="4042132"/>
+          </a:xfrm>
+          <a:prstGeom prst="rect">
+            <a:avLst/>
+          </a:prstGeom>
+          <a:ln w="12700">
+            <a:miter lim="400000"/>
+          </a:ln>
+          <a:extLst>
+            <a:ext uri="{C572A759-6A51-4108-AA02-DFA0A04FC94B}">
+              <ma14:wrappingTextBoxFlag xmlns="" xmlns:m="http://schemas.openxmlformats.org/officeDocument/2006/math" xmlns:a14="http://schemas.microsoft.com/office/drawing/2010/main" xmlns:ma14="http://schemas.microsoft.com/office/mac/drawingml/2011/main" val="1"/>
+            </a:ext>
+          </a:extLst>
+        </p:spPr>
+        <p:txBody>
+          <a:bodyPr wrap="none" lIns="50800" tIns="50800" rIns="50800" bIns="50800" anchor="ctr">
+            <a:spAutoFit/>
+          </a:bodyPr>
+          <a:lstStyle>
+            <a:lvl1pPr>
+              <a:defRPr sz="12800" b="1">
+                <a:solidFill>
+                  <a:srgbClr val="FFFFFF"/>
+                </a:solidFill>
+                <a:latin typeface="+mj-lt"/>
+                <a:ea typeface="+mj-ea"/>
+                <a:cs typeface="+mj-cs"/>
+                <a:sym typeface="Avenir Next"/>
+              </a:defRPr>
+            </a:lvl1pPr>
+          </a:lstStyle>
+          <a:p>
+            <a:r>
+              <a:rPr lang="lt-LT" dirty="0"/>
+              <a:t>TASK:</a:t>
+            </a:r>
+          </a:p>
+          <a:p>
+            <a:r>
+              <a:rPr lang="lt-LT" dirty="0"/>
+              <a:t>dom.task4.js</a:t>
+            </a:r>
+            <a:endParaRPr dirty="0"/>
+          </a:p>
+        </p:txBody>
+      </p:sp>
+    </p:spTree>
+    <p:extLst>
+      <p:ext uri="{BB962C8B-B14F-4D97-AF65-F5344CB8AC3E}">
+        <p14:creationId xmlns:p14="http://schemas.microsoft.com/office/powerpoint/2010/main" val="3943095609"/>
+      </p:ext>
+    </p:extLst>
+  </p:cSld>
+  <p:clrMapOvr>
+    <a:masterClrMapping/>
+  </p:clrMapOvr>
+  <p:transition spd="med"/>
+</p:sld>
+</file>
+
+<file path=ppt/slides/slide83.xml><?xml version="1.0" encoding="utf-8"?>
+<p:sld xmlns:a="http://schemas.openxmlformats.org/drawingml/2006/main" xmlns:r="http://schemas.openxmlformats.org/officeDocument/2006/relationships" xmlns:p="http://schemas.openxmlformats.org/presentationml/2006/main">
+  <p:cSld>
+    <p:spTree>
+      <p:nvGrpSpPr>
+        <p:cNvPr id="1" name=""/>
+        <p:cNvGrpSpPr/>
+        <p:nvPr/>
+      </p:nvGrpSpPr>
+      <p:grpSpPr>
+        <a:xfrm>
+          <a:off x="0" y="0"/>
+          <a:ext cx="0" cy="0"/>
+          <a:chOff x="0" y="0"/>
+          <a:chExt cx="0" cy="0"/>
+        </a:xfrm>
+      </p:grpSpPr>
+      <p:sp>
+        <p:nvSpPr>
+          <p:cNvPr id="76" name="Title goes here"/>
+          <p:cNvSpPr txBox="1"/>
+          <p:nvPr/>
+        </p:nvSpPr>
+        <p:spPr>
+          <a:xfrm>
+            <a:off x="2572664" y="2699493"/>
+            <a:ext cx="10741723" cy="1087477"/>
+          </a:xfrm>
+          <a:prstGeom prst="rect">
+            <a:avLst/>
+          </a:prstGeom>
+          <a:ln w="12700">
+            <a:miter lim="400000"/>
+          </a:ln>
+          <a:extLst>
+            <a:ext uri="{C572A759-6A51-4108-AA02-DFA0A04FC94B}">
+              <ma14:wrappingTextBoxFlag xmlns="" xmlns:m="http://schemas.openxmlformats.org/officeDocument/2006/math" xmlns:a14="http://schemas.microsoft.com/office/drawing/2010/main" xmlns:ma14="http://schemas.microsoft.com/office/mac/drawingml/2011/main" val="1"/>
+            </a:ext>
+          </a:extLst>
+        </p:spPr>
+        <p:txBody>
+          <a:bodyPr wrap="none" lIns="50800" tIns="50800" rIns="50800" bIns="50800" anchor="ctr">
+            <a:spAutoFit/>
+          </a:bodyPr>
+          <a:lstStyle>
+            <a:lvl1pPr algn="l">
+              <a:defRPr sz="6400" b="1">
+                <a:latin typeface="+mj-lt"/>
+                <a:ea typeface="+mj-ea"/>
+                <a:cs typeface="+mj-cs"/>
+                <a:sym typeface="Avenir Next"/>
+              </a:defRPr>
+            </a:lvl1pPr>
+          </a:lstStyle>
+          <a:p>
+            <a:r>
+              <a:rPr lang="en-US" dirty="0"/>
+              <a:t>14. DOM: remove element</a:t>
+            </a:r>
+          </a:p>
+        </p:txBody>
+      </p:sp>
+      <p:sp>
+        <p:nvSpPr>
+          <p:cNvPr id="78" name="Line"/>
+          <p:cNvSpPr/>
+          <p:nvPr/>
+        </p:nvSpPr>
+        <p:spPr>
+          <a:xfrm>
+            <a:off x="2641600" y="1846231"/>
+            <a:ext cx="1516409" cy="1"/>
+          </a:xfrm>
+          <a:prstGeom prst="line">
+            <a:avLst/>
+          </a:prstGeom>
+          <a:ln w="203200">
+            <a:solidFill>
+              <a:srgbClr val="FF3454"/>
+            </a:solidFill>
+            <a:miter lim="400000"/>
+          </a:ln>
+        </p:spPr>
+        <p:txBody>
+          <a:bodyPr lIns="50800" tIns="50800" rIns="50800" bIns="50800" anchor="ctr"/>
+          <a:lstStyle/>
+          <a:p>
+            <a:pPr algn="l">
+              <a:defRPr sz="2800">
+                <a:latin typeface="+mj-lt"/>
+                <a:ea typeface="+mj-ea"/>
+                <a:cs typeface="+mj-cs"/>
+                <a:sym typeface="Avenir Next"/>
+              </a:defRPr>
+            </a:pPr>
+            <a:endParaRPr/>
+          </a:p>
+        </p:txBody>
+      </p:sp>
+      <p:sp>
+        <p:nvSpPr>
+          <p:cNvPr id="5" name="Build products that are fast, effortless to use, and aesthetically pleasing. Make things meaningful and worthy of your time.…">
+            <a:extLst>
+              <a:ext uri="{FF2B5EF4-FFF2-40B4-BE49-F238E27FC236}">
+                <a16:creationId xmlns:a16="http://schemas.microsoft.com/office/drawing/2014/main" id="{7CB97C34-33FE-814D-8C51-742D4404DD26}"/>
+              </a:ext>
+            </a:extLst>
+          </p:cNvPr>
+          <p:cNvSpPr txBox="1"/>
+          <p:nvPr/>
+        </p:nvSpPr>
+        <p:spPr>
+          <a:xfrm>
+            <a:off x="2641600" y="4363371"/>
+            <a:ext cx="19179617" cy="991297"/>
+          </a:xfrm>
+          <a:prstGeom prst="rect">
+            <a:avLst/>
+          </a:prstGeom>
+          <a:ln w="12700">
+            <a:miter lim="400000"/>
+          </a:ln>
+          <a:extLst>
+            <a:ext uri="{C572A759-6A51-4108-AA02-DFA0A04FC94B}">
+              <ma14:wrappingTextBoxFlag xmlns="" xmlns:m="http://schemas.openxmlformats.org/officeDocument/2006/math" xmlns:a14="http://schemas.microsoft.com/office/drawing/2010/main" xmlns:ma14="http://schemas.microsoft.com/office/mac/drawingml/2011/main" val="1"/>
+            </a:ext>
+          </a:extLst>
+        </p:spPr>
+        <p:txBody>
+          <a:bodyPr wrap="square" lIns="50800" tIns="50800" rIns="50800" bIns="50800">
+            <a:spAutoFit/>
+          </a:bodyPr>
+          <a:lstStyle/>
+          <a:p>
+            <a:pPr marL="571500" indent="-571500" algn="l">
+              <a:lnSpc>
+                <a:spcPct val="150000"/>
+              </a:lnSpc>
+              <a:buFont typeface="Arial" panose="020B0604020202020204" pitchFamily="34" charset="0"/>
+              <a:buChar char="•"/>
+              <a:defRPr sz="4200">
+                <a:latin typeface="+mj-lt"/>
+                <a:ea typeface="+mj-ea"/>
+                <a:cs typeface="+mj-cs"/>
+                <a:sym typeface="Avenir Next"/>
+              </a:defRPr>
+            </a:pPr>
+            <a:endParaRPr lang="en-US" dirty="0">
+              <a:sym typeface="Avenir Next"/>
+            </a:endParaRPr>
+          </a:p>
+        </p:txBody>
+      </p:sp>
+      <p:pic>
+        <p:nvPicPr>
+          <p:cNvPr id="3" name="Picture 2" descr="A screen shot of a computer&#10;&#10;Description automatically generated">
+            <a:extLst>
+              <a:ext uri="{FF2B5EF4-FFF2-40B4-BE49-F238E27FC236}">
+                <a16:creationId xmlns:a16="http://schemas.microsoft.com/office/drawing/2014/main" id="{64A84A73-D553-0A4C-9D9C-154350AA19AD}"/>
+              </a:ext>
+            </a:extLst>
+          </p:cNvPr>
+          <p:cNvPicPr>
+            <a:picLocks noChangeAspect="1"/>
+          </p:cNvPicPr>
+          <p:nvPr/>
+        </p:nvPicPr>
+        <p:blipFill>
+          <a:blip r:embed="rId2">
+            <a:extLst>
+              <a:ext uri="{28A0092B-C50C-407E-A947-70E740481C1C}">
+                <a14:useLocalDpi xmlns:a14="http://schemas.microsoft.com/office/drawing/2010/main" val="0"/>
+              </a:ext>
+            </a:extLst>
+          </a:blip>
+          <a:stretch>
+            <a:fillRect/>
+          </a:stretch>
+        </p:blipFill>
+        <p:spPr>
+          <a:xfrm>
+            <a:off x="2095500" y="4363371"/>
+            <a:ext cx="14490700" cy="2809984"/>
+          </a:xfrm>
+          <a:prstGeom prst="rect">
+            <a:avLst/>
+          </a:prstGeom>
+        </p:spPr>
+      </p:pic>
+    </p:spTree>
+    <p:extLst>
+      <p:ext uri="{BB962C8B-B14F-4D97-AF65-F5344CB8AC3E}">
+        <p14:creationId xmlns:p14="http://schemas.microsoft.com/office/powerpoint/2010/main" val="3351401486"/>
+      </p:ext>
+    </p:extLst>
+  </p:cSld>
+  <p:clrMapOvr>
+    <a:masterClrMapping/>
+  </p:clrMapOvr>
+  <p:transition spd="med"/>
+</p:sld>
+</file>
+
+<file path=ppt/slides/slide84.xml><?xml version="1.0" encoding="utf-8"?>
+<p:sld xmlns:a="http://schemas.openxmlformats.org/drawingml/2006/main" xmlns:r="http://schemas.openxmlformats.org/officeDocument/2006/relationships" xmlns:p="http://schemas.openxmlformats.org/presentationml/2006/main">
+  <p:cSld>
+    <p:spTree>
+      <p:nvGrpSpPr>
+        <p:cNvPr id="1" name=""/>
+        <p:cNvGrpSpPr/>
+        <p:nvPr/>
+      </p:nvGrpSpPr>
+      <p:grpSpPr>
+        <a:xfrm>
+          <a:off x="0" y="0"/>
+          <a:ext cx="0" cy="0"/>
+          <a:chOff x="0" y="0"/>
+          <a:chExt cx="0" cy="0"/>
+        </a:xfrm>
+      </p:grpSpPr>
+      <p:sp>
+        <p:nvSpPr>
+          <p:cNvPr id="76" name="Title goes here"/>
+          <p:cNvSpPr txBox="1"/>
+          <p:nvPr/>
+        </p:nvSpPr>
+        <p:spPr>
+          <a:xfrm>
+            <a:off x="2572664" y="2699493"/>
+            <a:ext cx="10182275" cy="1087477"/>
+          </a:xfrm>
+          <a:prstGeom prst="rect">
+            <a:avLst/>
+          </a:prstGeom>
+          <a:ln w="12700">
+            <a:miter lim="400000"/>
+          </a:ln>
+          <a:extLst>
+            <a:ext uri="{C572A759-6A51-4108-AA02-DFA0A04FC94B}">
+              <ma14:wrappingTextBoxFlag xmlns="" xmlns:m="http://schemas.openxmlformats.org/officeDocument/2006/math" xmlns:a14="http://schemas.microsoft.com/office/drawing/2010/main" xmlns:ma14="http://schemas.microsoft.com/office/mac/drawingml/2011/main" val="1"/>
+            </a:ext>
+          </a:extLst>
+        </p:spPr>
+        <p:txBody>
+          <a:bodyPr wrap="none" lIns="50800" tIns="50800" rIns="50800" bIns="50800" anchor="ctr">
+            <a:spAutoFit/>
+          </a:bodyPr>
+          <a:lstStyle>
+            <a:lvl1pPr algn="l">
+              <a:defRPr sz="6400" b="1">
+                <a:latin typeface="+mj-lt"/>
+                <a:ea typeface="+mj-ea"/>
+                <a:cs typeface="+mj-cs"/>
+                <a:sym typeface="Avenir Next"/>
+              </a:defRPr>
+            </a:lvl1pPr>
+          </a:lstStyle>
+          <a:p>
+            <a:r>
+              <a:rPr lang="en-US" dirty="0"/>
+              <a:t>15. DOM: create element</a:t>
+            </a:r>
+          </a:p>
+        </p:txBody>
+      </p:sp>
+      <p:sp>
+        <p:nvSpPr>
+          <p:cNvPr id="78" name="Line"/>
+          <p:cNvSpPr/>
+          <p:nvPr/>
+        </p:nvSpPr>
+        <p:spPr>
+          <a:xfrm>
+            <a:off x="2641600" y="1846231"/>
+            <a:ext cx="1516409" cy="1"/>
+          </a:xfrm>
+          <a:prstGeom prst="line">
+            <a:avLst/>
+          </a:prstGeom>
+          <a:ln w="203200">
+            <a:solidFill>
+              <a:srgbClr val="FF3454"/>
+            </a:solidFill>
+            <a:miter lim="400000"/>
+          </a:ln>
+        </p:spPr>
+        <p:txBody>
+          <a:bodyPr lIns="50800" tIns="50800" rIns="50800" bIns="50800" anchor="ctr"/>
+          <a:lstStyle/>
+          <a:p>
+            <a:pPr algn="l">
+              <a:defRPr sz="2800">
+                <a:latin typeface="+mj-lt"/>
+                <a:ea typeface="+mj-ea"/>
+                <a:cs typeface="+mj-cs"/>
+                <a:sym typeface="Avenir Next"/>
+              </a:defRPr>
+            </a:pPr>
+            <a:endParaRPr/>
+          </a:p>
+        </p:txBody>
+      </p:sp>
+      <p:sp>
+        <p:nvSpPr>
+          <p:cNvPr id="5" name="Build products that are fast, effortless to use, and aesthetically pleasing. Make things meaningful and worthy of your time.…">
+            <a:extLst>
+              <a:ext uri="{FF2B5EF4-FFF2-40B4-BE49-F238E27FC236}">
+                <a16:creationId xmlns:a16="http://schemas.microsoft.com/office/drawing/2014/main" id="{7CB97C34-33FE-814D-8C51-742D4404DD26}"/>
+              </a:ext>
+            </a:extLst>
+          </p:cNvPr>
+          <p:cNvSpPr txBox="1"/>
+          <p:nvPr/>
+        </p:nvSpPr>
+        <p:spPr>
+          <a:xfrm>
+            <a:off x="2641600" y="4363371"/>
+            <a:ext cx="19179617" cy="991297"/>
+          </a:xfrm>
+          <a:prstGeom prst="rect">
+            <a:avLst/>
+          </a:prstGeom>
+          <a:ln w="12700">
+            <a:miter lim="400000"/>
+          </a:ln>
+          <a:extLst>
+            <a:ext uri="{C572A759-6A51-4108-AA02-DFA0A04FC94B}">
+              <ma14:wrappingTextBoxFlag xmlns="" xmlns:m="http://schemas.openxmlformats.org/officeDocument/2006/math" xmlns:a14="http://schemas.microsoft.com/office/drawing/2010/main" xmlns:ma14="http://schemas.microsoft.com/office/mac/drawingml/2011/main" val="1"/>
+            </a:ext>
+          </a:extLst>
+        </p:spPr>
+        <p:txBody>
+          <a:bodyPr wrap="square" lIns="50800" tIns="50800" rIns="50800" bIns="50800">
+            <a:spAutoFit/>
+          </a:bodyPr>
+          <a:lstStyle/>
+          <a:p>
+            <a:pPr marL="571500" indent="-571500" algn="l">
+              <a:lnSpc>
+                <a:spcPct val="150000"/>
+              </a:lnSpc>
+              <a:buFont typeface="Arial" panose="020B0604020202020204" pitchFamily="34" charset="0"/>
+              <a:buChar char="•"/>
+              <a:defRPr sz="4200">
+                <a:latin typeface="+mj-lt"/>
+                <a:ea typeface="+mj-ea"/>
+                <a:cs typeface="+mj-cs"/>
+                <a:sym typeface="Avenir Next"/>
+              </a:defRPr>
+            </a:pPr>
+            <a:endParaRPr lang="en-US" dirty="0">
+              <a:sym typeface="Avenir Next"/>
+            </a:endParaRPr>
+          </a:p>
+        </p:txBody>
+      </p:sp>
+      <p:pic>
+        <p:nvPicPr>
+          <p:cNvPr id="3" name="Picture 2" descr="A screen shot of a computer&#10;&#10;Description automatically generated">
+            <a:extLst>
+              <a:ext uri="{FF2B5EF4-FFF2-40B4-BE49-F238E27FC236}">
+                <a16:creationId xmlns:a16="http://schemas.microsoft.com/office/drawing/2014/main" id="{CD1C2597-C1E5-FD46-9CE2-9B16ADA8A53B}"/>
+              </a:ext>
+            </a:extLst>
+          </p:cNvPr>
+          <p:cNvPicPr>
+            <a:picLocks noChangeAspect="1"/>
+          </p:cNvPicPr>
+          <p:nvPr/>
+        </p:nvPicPr>
+        <p:blipFill>
+          <a:blip r:embed="rId2">
+            <a:extLst>
+              <a:ext uri="{28A0092B-C50C-407E-A947-70E740481C1C}">
+                <a14:useLocalDpi xmlns:a14="http://schemas.microsoft.com/office/drawing/2010/main" val="0"/>
+              </a:ext>
+            </a:extLst>
+          </a:blip>
+          <a:stretch>
+            <a:fillRect/>
+          </a:stretch>
+        </p:blipFill>
+        <p:spPr>
+          <a:xfrm>
+            <a:off x="1851582" y="4112181"/>
+            <a:ext cx="14709217" cy="6904326"/>
+          </a:xfrm>
+          <a:prstGeom prst="rect">
+            <a:avLst/>
+          </a:prstGeom>
+        </p:spPr>
+      </p:pic>
+    </p:spTree>
+    <p:extLst>
+      <p:ext uri="{BB962C8B-B14F-4D97-AF65-F5344CB8AC3E}">
+        <p14:creationId xmlns:p14="http://schemas.microsoft.com/office/powerpoint/2010/main" val="3206928408"/>
+      </p:ext>
+    </p:extLst>
+  </p:cSld>
+  <p:clrMapOvr>
+    <a:masterClrMapping/>
+  </p:clrMapOvr>
+  <p:transition spd="med"/>
+</p:sld>
+</file>
+
+<file path=ppt/slides/slide85.xml><?xml version="1.0" encoding="utf-8"?>
+<p:sld xmlns:a="http://schemas.openxmlformats.org/drawingml/2006/main" xmlns:r="http://schemas.openxmlformats.org/officeDocument/2006/relationships" xmlns:p="http://schemas.openxmlformats.org/presentationml/2006/main">
+  <p:cSld>
+    <p:spTree>
+      <p:nvGrpSpPr>
+        <p:cNvPr id="1" name=""/>
+        <p:cNvGrpSpPr/>
+        <p:nvPr/>
+      </p:nvGrpSpPr>
+      <p:grpSpPr>
+        <a:xfrm>
+          <a:off x="0" y="0"/>
+          <a:ext cx="0" cy="0"/>
+          <a:chOff x="0" y="0"/>
+          <a:chExt cx="0" cy="0"/>
+        </a:xfrm>
+      </p:grpSpPr>
+      <p:sp>
+        <p:nvSpPr>
           <p:cNvPr id="74" name="Red section title"/>
           <p:cNvSpPr txBox="1"/>
           <p:nvPr/>
@@ -17851,7 +18299,7 @@
 </p:sld>
 </file>
 
-<file path=ppt/slides/slide82.xml><?xml version="1.0" encoding="utf-8"?>
+<file path=ppt/slides/slide86.xml><?xml version="1.0" encoding="utf-8"?>
 <p:sld xmlns:a="http://schemas.openxmlformats.org/drawingml/2006/main" xmlns:r="http://schemas.openxmlformats.org/officeDocument/2006/relationships" xmlns:p="http://schemas.openxmlformats.org/presentationml/2006/main">
   <p:cSld>
     <p:spTree>

--- a/JS1-Jelizaveta-Potapova.pptx
+++ b/JS1-Jelizaveta-Potapova.pptx
@@ -17584,74 +17584,6 @@
       </p:sp>
       <p:sp>
         <p:nvSpPr>
-          <p:cNvPr id="3" name="TextBox 2">
-            <a:extLst>
-              <a:ext uri="{FF2B5EF4-FFF2-40B4-BE49-F238E27FC236}">
-                <a16:creationId xmlns:a16="http://schemas.microsoft.com/office/drawing/2014/main" id="{F2704E19-F2D5-8E4E-9160-DA6FECA332B1}"/>
-              </a:ext>
-            </a:extLst>
-          </p:cNvPr>
-          <p:cNvSpPr txBox="1"/>
-          <p:nvPr/>
-        </p:nvSpPr>
-        <p:spPr>
-          <a:xfrm>
-            <a:off x="2716839" y="6042749"/>
-            <a:ext cx="795089" cy="841256"/>
-          </a:xfrm>
-          <a:prstGeom prst="rect">
-            <a:avLst/>
-          </a:prstGeom>
-          <a:noFill/>
-          <a:ln w="12700" cap="flat">
-            <a:noFill/>
-            <a:miter lim="400000"/>
-          </a:ln>
-          <a:effectLst/>
-          <a:sp3d/>
-        </p:spPr>
-        <p:style>
-          <a:lnRef idx="0">
-            <a:scrgbClr r="0" g="0" b="0"/>
-          </a:lnRef>
-          <a:fillRef idx="0">
-            <a:scrgbClr r="0" g="0" b="0"/>
-          </a:fillRef>
-          <a:effectRef idx="0">
-            <a:scrgbClr r="0" g="0" b="0"/>
-          </a:effectRef>
-          <a:fontRef idx="none"/>
-        </p:style>
-        <p:txBody>
-          <a:bodyPr rot="0" spcFirstLastPara="1" vertOverflow="overflow" horzOverflow="overflow" vert="horz" wrap="none" lIns="50800" tIns="50800" rIns="50800" bIns="50800" numCol="1" spcCol="38100" rtlCol="0" anchor="ctr">
-            <a:spAutoFit/>
-          </a:bodyPr>
-          <a:lstStyle/>
-          <a:p>
-            <a:pPr marL="685800" marR="0" indent="-685800" algn="l" defTabSz="825500" rtl="0" fontAlgn="auto" latinLnBrk="0" hangingPunct="0">
-              <a:lnSpc>
-                <a:spcPct val="100000"/>
-              </a:lnSpc>
-              <a:spcBef>
-                <a:spcPts val="0"/>
-              </a:spcBef>
-              <a:spcAft>
-                <a:spcPts val="0"/>
-              </a:spcAft>
-              <a:buClrTx/>
-              <a:buSzTx/>
-              <a:buFont typeface="Arial" panose="020B0604020202020204" pitchFamily="34" charset="0"/>
-              <a:buChar char="•"/>
-              <a:tabLst/>
-            </a:pPr>
-            <a:endParaRPr lang="en-US" dirty="0">
-              <a:latin typeface="+mj-lt"/>
-            </a:endParaRPr>
-          </a:p>
-        </p:txBody>
-      </p:sp>
-      <p:sp>
-        <p:nvSpPr>
           <p:cNvPr id="7" name="Build products that are fast, effortless to use, and aesthetically pleasing. Make things meaningful and worthy of your time.…">
             <a:extLst>
               <a:ext uri="{FF2B5EF4-FFF2-40B4-BE49-F238E27FC236}">
@@ -17665,7 +17597,7 @@
         <p:spPr>
           <a:xfrm>
             <a:off x="2641600" y="4363371"/>
-            <a:ext cx="19179617" cy="991297"/>
+            <a:ext cx="19179617" cy="1960793"/>
           </a:xfrm>
           <a:prstGeom prst="rect">
             <a:avLst/>
@@ -17685,10 +17617,12 @@
           </a:bodyPr>
           <a:lstStyle/>
           <a:p>
-            <a:pPr algn="l">
+            <a:pPr marL="571500" indent="-571500" algn="l">
               <a:lnSpc>
                 <a:spcPct val="150000"/>
               </a:lnSpc>
+              <a:buFont typeface="Arial" panose="020B0604020202020204" pitchFamily="34" charset="0"/>
+              <a:buChar char="•"/>
               <a:defRPr sz="4200">
                 <a:latin typeface="+mj-lt"/>
                 <a:ea typeface="+mj-ea"/>
@@ -17703,8 +17637,65 @@
               <a:t>Data attributes are reserved for programmers</a:t>
             </a:r>
           </a:p>
-        </p:txBody>
-      </p:sp>
+          <a:p>
+            <a:pPr marL="571500" indent="-571500" algn="l">
+              <a:lnSpc>
+                <a:spcPct val="150000"/>
+              </a:lnSpc>
+              <a:buFont typeface="Arial" panose="020B0604020202020204" pitchFamily="34" charset="0"/>
+              <a:buChar char="•"/>
+              <a:defRPr sz="4200">
+                <a:latin typeface="+mj-lt"/>
+                <a:ea typeface="+mj-ea"/>
+                <a:cs typeface="+mj-cs"/>
+                <a:sym typeface="Avenir Next"/>
+              </a:defRPr>
+            </a:pPr>
+            <a:r>
+              <a:rPr lang="en-US" dirty="0">
+                <a:sym typeface="Avenir Next"/>
+              </a:rPr>
+              <a:t>camelCase in JS code</a:t>
+            </a:r>
+          </a:p>
+        </p:txBody>
+      </p:sp>
+      <p:pic>
+        <p:nvPicPr>
+          <p:cNvPr id="6" name="Picture 5" descr="A picture containing sitting, table, laptop, apple&#10;&#10;Description automatically generated">
+            <a:extLst>
+              <a:ext uri="{FF2B5EF4-FFF2-40B4-BE49-F238E27FC236}">
+                <a16:creationId xmlns:a16="http://schemas.microsoft.com/office/drawing/2014/main" id="{26B43436-0CDC-554C-9AA5-61EF692951E5}"/>
+              </a:ext>
+            </a:extLst>
+          </p:cNvPr>
+          <p:cNvPicPr>
+            <a:picLocks noChangeAspect="1"/>
+          </p:cNvPicPr>
+          <p:nvPr/>
+        </p:nvPicPr>
+        <p:blipFill>
+          <a:blip r:embed="rId2">
+            <a:extLst>
+              <a:ext uri="{28A0092B-C50C-407E-A947-70E740481C1C}">
+                <a14:useLocalDpi xmlns:a14="http://schemas.microsoft.com/office/drawing/2010/main" val="0"/>
+              </a:ext>
+            </a:extLst>
+          </a:blip>
+          <a:stretch>
+            <a:fillRect/>
+          </a:stretch>
+        </p:blipFill>
+        <p:spPr>
+          <a:xfrm>
+            <a:off x="1816099" y="6320922"/>
+            <a:ext cx="14058901" cy="3532039"/>
+          </a:xfrm>
+          <a:prstGeom prst="rect">
+            <a:avLst/>
+          </a:prstGeom>
+        </p:spPr>
+      </p:pic>
     </p:spTree>
     <p:extLst>
       <p:ext uri="{BB962C8B-B14F-4D97-AF65-F5344CB8AC3E}">
